--- a/development/AdvancedDNASeq/slides/Part2_Indels.pptx
+++ b/development/AdvancedDNASeq/slides/Part2_Indels.pptx
@@ -203,7 +203,7 @@
           <a:p>
             <a:fld id="{07AFF704-C85E-D24C-A7E3-0F9EBEED715E}" type="datetimeFigureOut">
               <a:rPr lang="en-US" smtClean="0"/>
-              <a:t>5/19/17</a:t>
+              <a:t>5/22/17</a:t>
             </a:fld>
             <a:endParaRPr lang="en-US"/>
           </a:p>
@@ -577,7 +577,7 @@
           <a:p>
             <a:fld id="{C8A432C8-69A7-458B-9684-2BFA64B31948}" type="datetime2">
               <a:rPr lang="en-US" smtClean="0"/>
-              <a:t>Friday, May 19, 17</a:t>
+              <a:t>Monday, May 22, 17</a:t>
             </a:fld>
             <a:endParaRPr lang="en-US"/>
           </a:p>
@@ -770,7 +770,7 @@
           <a:p>
             <a:fld id="{8CC057FC-95B6-4D89-AFDA-ABA33EE921E5}" type="datetime2">
               <a:rPr lang="en-US" smtClean="0"/>
-              <a:t>Friday, May 19, 17</a:t>
+              <a:t>Monday, May 22, 17</a:t>
             </a:fld>
             <a:endParaRPr lang="en-US"/>
           </a:p>
@@ -957,7 +957,7 @@
           <a:p>
             <a:fld id="{EC4549AC-EB31-477F-92A9-B1988E232878}" type="datetime2">
               <a:rPr lang="en-US" smtClean="0"/>
-              <a:t>Friday, May 19, 17</a:t>
+              <a:t>Monday, May 22, 17</a:t>
             </a:fld>
             <a:endParaRPr lang="en-US"/>
           </a:p>
@@ -1222,7 +1222,7 @@
           <a:p>
             <a:fld id="{6396A3A3-94A6-4E5B-AF39-173ACA3E61CC}" type="datetime2">
               <a:rPr lang="en-US" smtClean="0"/>
-              <a:t>Friday, May 19, 17</a:t>
+              <a:t>Monday, May 22, 17</a:t>
             </a:fld>
             <a:endParaRPr lang="en-US"/>
           </a:p>
@@ -1640,7 +1640,7 @@
           <a:p>
             <a:fld id="{9933D019-A32C-4EAD-B8E6-DBDA699692FD}" type="datetime2">
               <a:rPr lang="en-US" smtClean="0"/>
-              <a:t>Friday, May 19, 17</a:t>
+              <a:t>Monday, May 22, 17</a:t>
             </a:fld>
             <a:endParaRPr lang="en-US"/>
           </a:p>
@@ -1884,7 +1884,7 @@
           <a:p>
             <a:fld id="{CCEBA98F-560C-4997-81C4-81D4D9187EAB}" type="datetime2">
               <a:rPr lang="en-US" smtClean="0"/>
-              <a:t>Friday, May 19, 17</a:t>
+              <a:t>Monday, May 22, 17</a:t>
             </a:fld>
             <a:endParaRPr lang="en-US"/>
           </a:p>
@@ -2122,7 +2122,7 @@
           <a:p>
             <a:fld id="{150972B2-CA5C-437D-87D0-8081271A9E4B}" type="datetime2">
               <a:rPr lang="en-US" smtClean="0"/>
-              <a:t>Friday, May 19, 17</a:t>
+              <a:t>Monday, May 22, 17</a:t>
             </a:fld>
             <a:endParaRPr lang="en-US"/>
           </a:p>
@@ -2319,7 +2319,7 @@
           <a:p>
             <a:fld id="{79CD4847-11EF-4466-A8AD-85CDB7B49118}" type="datetime2">
               <a:rPr lang="en-US" smtClean="0"/>
-              <a:t>Friday, May 19, 17</a:t>
+              <a:t>Monday, May 22, 17</a:t>
             </a:fld>
             <a:endParaRPr lang="en-US"/>
           </a:p>
@@ -2419,7 +2419,7 @@
           <a:p>
             <a:fld id="{F168457A-3AB9-4880-8A0C-9F8524491207}" type="datetime2">
               <a:rPr lang="en-US" smtClean="0"/>
-              <a:t>Friday, May 19, 17</a:t>
+              <a:t>Monday, May 22, 17</a:t>
             </a:fld>
             <a:endParaRPr lang="en-US"/>
           </a:p>
@@ -2557,7 +2557,7 @@
           <a:p>
             <a:fld id="{3FE976D3-5B7F-4300-ABED-C91F1B2AE209}" type="datetime2">
               <a:rPr lang="en-US" smtClean="0"/>
-              <a:t>Friday, May 19, 17</a:t>
+              <a:t>Monday, May 22, 17</a:t>
             </a:fld>
             <a:endParaRPr lang="en-US"/>
           </a:p>
@@ -3077,7 +3077,7 @@
           <a:p>
             <a:fld id="{EBDC1E59-17DD-41CE-97CA-624A472382D4}" type="datetime2">
               <a:rPr lang="en-US" smtClean="0"/>
-              <a:t>Friday, May 19, 17</a:t>
+              <a:t>Monday, May 22, 17</a:t>
             </a:fld>
             <a:endParaRPr lang="en-US"/>
           </a:p>
@@ -3340,7 +3340,7 @@
           <a:p>
             <a:fld id="{A80CB818-7379-467D-8E76-EF9D9074A26C}" type="datetime2">
               <a:rPr lang="en-US" smtClean="0"/>
-              <a:t>Friday, May 19, 17</a:t>
+              <a:t>Monday, May 22, 17</a:t>
             </a:fld>
             <a:endParaRPr lang="en-US" dirty="0"/>
           </a:p>
@@ -4187,40 +4187,14 @@
                 <a:latin typeface="Courier"/>
                 <a:cs typeface="Courier"/>
               </a:rPr>
-              <a:t> \ </a:t>
-            </a:r>
-          </a:p>
-          <a:p>
-            <a:pPr marL="0" indent="0">
-              <a:buNone/>
-            </a:pPr>
-            <a:r>
-              <a:rPr lang="en-US" sz="2000" dirty="0">
-                <a:latin typeface="Courier"/>
-                <a:cs typeface="Courier"/>
-              </a:rPr>
-              <a:t>    -R </a:t>
+              <a:t> </a:t>
             </a:r>
             <a:r>
               <a:rPr lang="en-US" sz="2000" dirty="0" smtClean="0">
                 <a:latin typeface="Courier"/>
                 <a:cs typeface="Courier"/>
               </a:rPr>
-              <a:t>resources/</a:t>
-            </a:r>
-            <a:r>
-              <a:rPr lang="en-US" sz="2000" dirty="0">
-                <a:latin typeface="Courier"/>
-                <a:cs typeface="Courier"/>
-              </a:rPr>
-              <a:t>human_g1k_b37_20.fasta </a:t>
-            </a:r>
-            <a:r>
-              <a:rPr lang="en-US" sz="2000" dirty="0" smtClean="0">
-                <a:latin typeface="Courier"/>
-                <a:cs typeface="Courier"/>
-              </a:rPr>
-              <a:t>\ </a:t>
+              <a:t>\</a:t>
             </a:r>
             <a:endParaRPr lang="en-US" sz="2000" dirty="0">
               <a:latin typeface="Courier"/>
@@ -4236,18 +4210,66 @@
                 <a:latin typeface="Courier"/>
                 <a:cs typeface="Courier"/>
               </a:rPr>
-              <a:t>    -V output/NA12878_wgs_20_HC_calls.vcf \ </a:t>
-            </a:r>
+              <a:t>    -R </a:t>
+            </a:r>
+            <a:r>
+              <a:rPr lang="en-US" sz="2000" dirty="0" smtClean="0">
+                <a:latin typeface="Courier"/>
+                <a:cs typeface="Courier"/>
+              </a:rPr>
+              <a:t>resources/</a:t>
+            </a:r>
+            <a:r>
+              <a:rPr lang="en-US" sz="2000" dirty="0">
+                <a:latin typeface="Courier"/>
+                <a:cs typeface="Courier"/>
+              </a:rPr>
+              <a:t>human_g1k_b37_20.fasta </a:t>
+            </a:r>
+            <a:r>
+              <a:rPr lang="en-US" sz="2000" dirty="0" smtClean="0">
+                <a:latin typeface="Courier"/>
+                <a:cs typeface="Courier"/>
+              </a:rPr>
+              <a:t>\</a:t>
+            </a:r>
+            <a:endParaRPr lang="en-US" sz="2000" dirty="0">
+              <a:latin typeface="Courier"/>
+              <a:cs typeface="Courier"/>
+            </a:endParaRPr>
           </a:p>
           <a:p>
             <a:pPr marL="0" indent="0">
               <a:buNone/>
             </a:pPr>
             <a:r>
+              <a:rPr lang="en-US" sz="2000" dirty="0">
+                <a:latin typeface="Courier"/>
+                <a:cs typeface="Courier"/>
+              </a:rPr>
+              <a:t>    -V output/NA12878_wgs_20_HC_calls.vcf </a:t>
+            </a:r>
+            <a:r>
               <a:rPr lang="en-US" sz="2000" dirty="0" smtClean="0">
                 <a:latin typeface="Courier"/>
                 <a:cs typeface="Courier"/>
               </a:rPr>
+              <a:t>\</a:t>
+            </a:r>
+            <a:endParaRPr lang="en-US" sz="2000" dirty="0">
+              <a:latin typeface="Courier"/>
+              <a:cs typeface="Courier"/>
+            </a:endParaRPr>
+          </a:p>
+          <a:p>
+            <a:pPr marL="0" indent="0">
+              <a:buNone/>
+            </a:pPr>
+            <a:r>
+              <a:rPr lang="en-US" sz="2000" dirty="0" smtClean="0">
+                <a:latin typeface="Courier"/>
+                <a:cs typeface="Courier"/>
+              </a:rPr>
               <a:t>    </a:t>
             </a:r>
             <a:r>
@@ -4276,7 +4298,14 @@
                 <a:latin typeface="Courier"/>
                 <a:cs typeface="Courier"/>
               </a:rPr>
-              <a:t>INDEL \ </a:t>
+              <a:t>INDEL </a:t>
+            </a:r>
+            <a:r>
+              <a:rPr lang="en-US" sz="2000" dirty="0" smtClean="0">
+                <a:latin typeface="Courier"/>
+                <a:cs typeface="Courier"/>
+              </a:rPr>
+              <a:t>\</a:t>
             </a:r>
             <a:endParaRPr lang="en-US" sz="2000" dirty="0">
               <a:latin typeface="Courier"/>
@@ -4451,7 +4480,14 @@
                 <a:latin typeface="Courier"/>
                 <a:cs typeface="Courier"/>
               </a:rPr>
-              <a:t>    -</a:t>
+              <a:t>  </a:t>
+            </a:r>
+            <a:r>
+              <a:rPr lang="en-US" sz="2400" dirty="0" smtClean="0">
+                <a:latin typeface="Courier"/>
+                <a:cs typeface="Courier"/>
+              </a:rPr>
+              <a:t>-</a:t>
             </a:r>
             <a:r>
               <a:rPr lang="en-US" sz="2400" dirty="0">
@@ -4472,8 +4508,19 @@
                 <a:latin typeface="Courier"/>
                 <a:cs typeface="Courier"/>
               </a:rPr>
-              <a:t> \ </a:t>
-            </a:r>
+              <a:t> </a:t>
+            </a:r>
+            <a:r>
+              <a:rPr lang="en-US" sz="2400" dirty="0" smtClean="0">
+                <a:latin typeface="Courier"/>
+                <a:cs typeface="Courier"/>
+              </a:rPr>
+              <a:t>\</a:t>
+            </a:r>
+            <a:endParaRPr lang="en-US" sz="2400" dirty="0">
+              <a:latin typeface="Courier"/>
+              <a:cs typeface="Courier"/>
+            </a:endParaRPr>
           </a:p>
           <a:p>
             <a:pPr marL="0" indent="0">
@@ -4484,29 +4531,54 @@
                 <a:latin typeface="Courier"/>
                 <a:cs typeface="Courier"/>
               </a:rPr>
-              <a:t>    -</a:t>
+              <a:t>  </a:t>
+            </a:r>
+            <a:r>
+              <a:rPr lang="en-US" sz="2400" dirty="0" smtClean="0">
+                <a:latin typeface="Courier"/>
+                <a:cs typeface="Courier"/>
+              </a:rPr>
+              <a:t>-</a:t>
             </a:r>
             <a:r>
               <a:rPr lang="en-US" sz="2400" dirty="0">
                 <a:latin typeface="Courier"/>
                 <a:cs typeface="Courier"/>
               </a:rPr>
-              <a:t>R $DATA/ref/human_g1k_b37_20.</a:t>
+              <a:t>R </a:t>
             </a:r>
             <a:r>
               <a:rPr lang="en-US" sz="2400" dirty="0" smtClean="0">
                 <a:latin typeface="Courier"/>
                 <a:cs typeface="Courier"/>
               </a:rPr>
+              <a:t>resources/</a:t>
+            </a:r>
+            <a:r>
+              <a:rPr lang="en-US" sz="2400" dirty="0">
+                <a:latin typeface="Courier"/>
+                <a:cs typeface="Courier"/>
+              </a:rPr>
+              <a:t>human_g1k_b37_20.</a:t>
+            </a:r>
+            <a:r>
+              <a:rPr lang="en-US" sz="2400" dirty="0" smtClean="0">
+                <a:latin typeface="Courier"/>
+                <a:cs typeface="Courier"/>
+              </a:rPr>
               <a:t>fasta </a:t>
             </a:r>
             <a:r>
-              <a:rPr lang="en-US" sz="2400" dirty="0">
-                <a:latin typeface="Courier"/>
-                <a:cs typeface="Courier"/>
-              </a:rPr>
-              <a:t>\ </a:t>
-            </a:r>
+              <a:rPr lang="en-US" sz="2400" dirty="0" smtClean="0">
+                <a:latin typeface="Courier"/>
+                <a:cs typeface="Courier"/>
+              </a:rPr>
+              <a:t>\</a:t>
+            </a:r>
+            <a:endParaRPr lang="en-US" sz="2400" dirty="0">
+              <a:latin typeface="Courier"/>
+              <a:cs typeface="Courier"/>
+            </a:endParaRPr>
           </a:p>
           <a:p>
             <a:pPr marL="0" indent="0">
@@ -4517,7 +4589,14 @@
                 <a:latin typeface="Courier"/>
                 <a:cs typeface="Courier"/>
               </a:rPr>
-              <a:t>    -</a:t>
+              <a:t>  </a:t>
+            </a:r>
+            <a:r>
+              <a:rPr lang="en-US" sz="2400" dirty="0" smtClean="0">
+                <a:latin typeface="Courier"/>
+                <a:cs typeface="Courier"/>
+              </a:rPr>
+              <a:t>-</a:t>
             </a:r>
             <a:r>
               <a:rPr lang="en-US" sz="2400" dirty="0">
@@ -4534,12 +4613,16 @@
               <a:t>NA12878_wgs_20_HC_indels.vcf </a:t>
             </a:r>
             <a:r>
-              <a:rPr lang="en-US" sz="2400" dirty="0">
-                <a:latin typeface="Courier"/>
-                <a:cs typeface="Courier"/>
-              </a:rPr>
-              <a:t>\ </a:t>
-            </a:r>
+              <a:rPr lang="en-US" sz="2400" dirty="0" smtClean="0">
+                <a:latin typeface="Courier"/>
+                <a:cs typeface="Courier"/>
+              </a:rPr>
+              <a:t>\</a:t>
+            </a:r>
+            <a:endParaRPr lang="en-US" sz="2400" dirty="0">
+              <a:latin typeface="Courier"/>
+              <a:cs typeface="Courier"/>
+            </a:endParaRPr>
           </a:p>
           <a:p>
             <a:pPr marL="0" indent="0">
@@ -4550,7 +4633,14 @@
                 <a:latin typeface="Courier"/>
                 <a:cs typeface="Courier"/>
               </a:rPr>
-              <a:t>    -</a:t>
+              <a:t>  </a:t>
+            </a:r>
+            <a:r>
+              <a:rPr lang="en-US" sz="2400" dirty="0" smtClean="0">
+                <a:latin typeface="Courier"/>
+                <a:cs typeface="Courier"/>
+              </a:rPr>
+              <a:t>-</a:t>
             </a:r>
             <a:r>
               <a:rPr lang="en-US" sz="2400" dirty="0">
@@ -4592,7 +4682,21 @@
                 <a:latin typeface="Courier"/>
                 <a:cs typeface="Courier"/>
               </a:rPr>
-              <a:t>\</a:t>
+              <a:t>FS </a:t>
+            </a:r>
+            <a:r>
+              <a:rPr lang="en-US" sz="2400" dirty="0">
+                <a:latin typeface="Courier"/>
+                <a:cs typeface="Courier"/>
+              </a:rPr>
+              <a:t>&gt; </a:t>
+            </a:r>
+            <a:r>
+              <a:rPr lang="en-US" sz="2400" dirty="0" smtClean="0">
+                <a:latin typeface="Courier"/>
+                <a:cs typeface="Courier"/>
+              </a:rPr>
+              <a:t>200.0" \</a:t>
             </a:r>
           </a:p>
           <a:p>
@@ -4600,32 +4704,46 @@
               <a:buNone/>
             </a:pPr>
             <a:r>
+              <a:rPr lang="en-US" sz="2400" dirty="0">
+                <a:latin typeface="Courier"/>
+                <a:cs typeface="Courier"/>
+              </a:rPr>
+              <a:t> </a:t>
+            </a:r>
+            <a:r>
               <a:rPr lang="en-US" sz="2400" dirty="0" smtClean="0">
                 <a:latin typeface="Courier"/>
                 <a:cs typeface="Courier"/>
               </a:rPr>
-              <a:t>      FS </a:t>
+              <a:t> --</a:t>
+            </a:r>
+            <a:r>
+              <a:rPr lang="en-US" sz="2400" dirty="0" err="1" smtClean="0">
+                <a:latin typeface="Courier"/>
+                <a:cs typeface="Courier"/>
+              </a:rPr>
+              <a:t>filterName</a:t>
+            </a:r>
+            <a:r>
+              <a:rPr lang="en-US" sz="2400" dirty="0" smtClean="0">
+                <a:latin typeface="Courier"/>
+                <a:cs typeface="Courier"/>
+              </a:rPr>
+              <a:t> </a:t>
             </a:r>
             <a:r>
               <a:rPr lang="en-US" sz="2400" dirty="0">
                 <a:latin typeface="Courier"/>
                 <a:cs typeface="Courier"/>
               </a:rPr>
-              <a:t>&gt; 200.0 || </a:t>
-            </a:r>
-            <a:r>
-              <a:rPr lang="en-US" sz="2400" dirty="0" err="1">
-                <a:latin typeface="Courier"/>
-                <a:cs typeface="Courier"/>
-              </a:rPr>
-              <a:t>ReadPosRankSum</a:t>
-            </a:r>
-            <a:r>
-              <a:rPr lang="en-US" sz="2400" dirty="0">
-                <a:latin typeface="Courier"/>
-                <a:cs typeface="Courier"/>
-              </a:rPr>
-              <a:t> &lt; -20.0" \ </a:t>
+              <a:t>"</a:t>
+            </a:r>
+            <a:r>
+              <a:rPr lang="en-US" sz="2400" dirty="0" smtClean="0">
+                <a:latin typeface="Courier"/>
+                <a:cs typeface="Courier"/>
+              </a:rPr>
+              <a:t>HARD_FILTER1" \</a:t>
             </a:r>
           </a:p>
           <a:p>
@@ -4633,91 +4751,173 @@
               <a:buNone/>
             </a:pPr>
             <a:r>
+              <a:rPr lang="en-US" sz="2400" dirty="0">
+                <a:latin typeface="Courier"/>
+                <a:cs typeface="Courier"/>
+              </a:rPr>
+              <a:t> </a:t>
+            </a:r>
+            <a:r>
               <a:rPr lang="en-US" sz="2400" dirty="0" smtClean="0">
                 <a:latin typeface="Courier"/>
                 <a:cs typeface="Courier"/>
               </a:rPr>
-              <a:t>    -</a:t>
+              <a:t> --</a:t>
+            </a:r>
+            <a:r>
+              <a:rPr lang="en-US" sz="2400" dirty="0" err="1" smtClean="0">
+                <a:latin typeface="Courier"/>
+                <a:cs typeface="Courier"/>
+              </a:rPr>
+              <a:t>filterExpression</a:t>
+            </a:r>
+            <a:r>
+              <a:rPr lang="en-US" sz="2400" dirty="0" smtClean="0">
+                <a:latin typeface="Courier"/>
+                <a:cs typeface="Courier"/>
+              </a:rPr>
+              <a:t> "</a:t>
+            </a:r>
+            <a:r>
+              <a:rPr lang="en-US" sz="2400" dirty="0" err="1" smtClean="0">
+                <a:latin typeface="Courier"/>
+                <a:cs typeface="Courier"/>
+              </a:rPr>
+              <a:t>ReadPosRankSum</a:t>
+            </a:r>
+            <a:r>
+              <a:rPr lang="en-US" sz="2400" dirty="0" smtClean="0">
+                <a:latin typeface="Courier"/>
+                <a:cs typeface="Courier"/>
+              </a:rPr>
+              <a:t> </a:t>
             </a:r>
             <a:r>
               <a:rPr lang="en-US" sz="2400" dirty="0">
                 <a:latin typeface="Courier"/>
                 <a:cs typeface="Courier"/>
               </a:rPr>
-              <a:t>-</a:t>
-            </a:r>
-            <a:r>
-              <a:rPr lang="en-US" sz="2400" dirty="0" err="1">
-                <a:latin typeface="Courier"/>
-                <a:cs typeface="Courier"/>
-              </a:rPr>
-              <a:t>filterName</a:t>
-            </a:r>
-            <a:r>
-              <a:rPr lang="en-US" sz="2400" dirty="0">
-                <a:latin typeface="Courier"/>
-                <a:cs typeface="Courier"/>
-              </a:rPr>
-              <a:t> </a:t>
+              <a:t>&lt; -20.0" </a:t>
             </a:r>
             <a:r>
               <a:rPr lang="en-US" sz="2400" dirty="0" smtClean="0">
                 <a:latin typeface="Courier"/>
                 <a:cs typeface="Courier"/>
               </a:rPr>
-              <a:t>"HARD_FILTER" -</a:t>
-            </a:r>
-            <a:r>
-              <a:rPr lang="en-US" sz="2400" dirty="0">
-                <a:latin typeface="Courier"/>
-                <a:cs typeface="Courier"/>
-              </a:rPr>
-              <a:t>o </a:t>
-            </a:r>
-            <a:r>
-              <a:rPr lang="en-US" sz="2400" dirty="0" smtClean="0">
-                <a:latin typeface="Courier"/>
-                <a:cs typeface="Courier"/>
-              </a:rPr>
               <a:t>\</a:t>
             </a:r>
+            <a:endParaRPr lang="en-US" sz="2400" dirty="0">
+              <a:latin typeface="Courier"/>
+              <a:cs typeface="Courier"/>
+            </a:endParaRPr>
           </a:p>
           <a:p>
             <a:pPr marL="0" indent="0">
               <a:buNone/>
             </a:pPr>
             <a:r>
-              <a:rPr lang="en-US" sz="2400">
+              <a:rPr lang="en-US" sz="2400" dirty="0" smtClean="0">
+                <a:latin typeface="Courier"/>
+                <a:cs typeface="Courier"/>
+              </a:rPr>
+              <a:t>  </a:t>
+            </a:r>
+            <a:r>
+              <a:rPr lang="en-US" sz="2400" dirty="0" smtClean="0">
+                <a:latin typeface="Courier"/>
+                <a:cs typeface="Courier"/>
+              </a:rPr>
+              <a:t>-</a:t>
+            </a:r>
+            <a:r>
+              <a:rPr lang="en-US" sz="2400" dirty="0">
+                <a:latin typeface="Courier"/>
+                <a:cs typeface="Courier"/>
+              </a:rPr>
+              <a:t>-</a:t>
+            </a:r>
+            <a:r>
+              <a:rPr lang="en-US" sz="2400" dirty="0" err="1">
+                <a:latin typeface="Courier"/>
+                <a:cs typeface="Courier"/>
+              </a:rPr>
+              <a:t>filterName</a:t>
+            </a:r>
+            <a:r>
+              <a:rPr lang="en-US" sz="2400" dirty="0">
                 <a:latin typeface="Courier"/>
                 <a:cs typeface="Courier"/>
               </a:rPr>
               <a:t> </a:t>
             </a:r>
             <a:r>
-              <a:rPr lang="en-US" sz="2400" smtClean="0">
-                <a:latin typeface="Courier"/>
-                <a:cs typeface="Courier"/>
-              </a:rPr>
-              <a:t>   output</a:t>
-            </a:r>
-            <a:r>
-              <a:rPr lang="en-US" sz="2400">
+              <a:rPr lang="en-US" sz="2400" dirty="0" smtClean="0">
+                <a:latin typeface="Courier"/>
+                <a:cs typeface="Courier"/>
+              </a:rPr>
+              <a:t>"</a:t>
+            </a:r>
+            <a:r>
+              <a:rPr lang="en-US" sz="2400" dirty="0" smtClean="0">
+                <a:latin typeface="Courier"/>
+                <a:cs typeface="Courier"/>
+              </a:rPr>
+              <a:t>HARD_FILTER2" \</a:t>
+            </a:r>
+          </a:p>
+          <a:p>
+            <a:pPr marL="0" indent="0">
+              <a:buNone/>
+            </a:pPr>
+            <a:r>
+              <a:rPr lang="en-US" sz="2400" dirty="0">
+                <a:latin typeface="Courier"/>
+                <a:cs typeface="Courier"/>
+              </a:rPr>
+              <a:t> </a:t>
+            </a:r>
+            <a:r>
+              <a:rPr lang="en-US" sz="2400" dirty="0" smtClean="0">
+                <a:latin typeface="Courier"/>
+                <a:cs typeface="Courier"/>
+              </a:rPr>
+              <a:t> </a:t>
+            </a:r>
+            <a:r>
+              <a:rPr lang="en-US" sz="2400" dirty="0" smtClean="0">
+                <a:latin typeface="Courier"/>
+                <a:cs typeface="Courier"/>
+              </a:rPr>
+              <a:t>-</a:t>
+            </a:r>
+            <a:r>
+              <a:rPr lang="en-US" sz="2400" dirty="0">
+                <a:latin typeface="Courier"/>
+                <a:cs typeface="Courier"/>
+              </a:rPr>
+              <a:t>o </a:t>
+            </a:r>
+            <a:r>
+              <a:rPr lang="en-US" sz="2400" dirty="0" smtClean="0">
+                <a:latin typeface="Courier"/>
+                <a:cs typeface="Courier"/>
+              </a:rPr>
+              <a:t>output</a:t>
+            </a:r>
+            <a:r>
+              <a:rPr lang="en-US" sz="2400" dirty="0">
                 <a:latin typeface="Courier"/>
                 <a:cs typeface="Courier"/>
               </a:rPr>
               <a:t>/</a:t>
             </a:r>
             <a:r>
-              <a:rPr lang="en-US" sz="2400" smtClean="0">
+              <a:rPr lang="en-US" sz="2400" dirty="0" smtClean="0">
                 <a:latin typeface="Courier"/>
                 <a:cs typeface="Courier"/>
               </a:rPr>
               <a:t>NA12878_wgs_20_HC_indels_filter.vcf </a:t>
             </a:r>
-            <a:endParaRPr lang="en-US" sz="2400" dirty="0" smtClean="0">
-              <a:latin typeface="Courier"/>
-              <a:cs typeface="Courier"/>
-            </a:endParaRPr>
           </a:p>
         </p:txBody>
       </p:sp>
@@ -6629,20 +6829,23 @@
           <a:p>
             <a:r>
               <a:rPr lang="en-US" dirty="0" smtClean="0"/>
-              <a:t>Best strategy is to lot mismatch rate against truth sensitivity for many tranches and identify the "elbow"</a:t>
+              <a:t>Best strategy is to </a:t>
+            </a:r>
+            <a:r>
+              <a:rPr lang="en-US" dirty="0" smtClean="0"/>
+              <a:t>plot </a:t>
+            </a:r>
+            <a:r>
+              <a:rPr lang="en-US" dirty="0" smtClean="0"/>
+              <a:t>mismatch rate against truth sensitivity for many tranches and identify the "elbow"</a:t>
             </a:r>
           </a:p>
           <a:p>
             <a:pPr lvl="1"/>
             <a:r>
               <a:rPr lang="en-US" dirty="0" smtClean="0"/>
-              <a:t>Stratifying by genotype </a:t>
-            </a:r>
-            <a:r>
-              <a:rPr lang="en-US" smtClean="0"/>
-              <a:t>can help</a:t>
-            </a:r>
-            <a:endParaRPr lang="en-US" dirty="0" smtClean="0"/>
+              <a:t>Stratifying by genotype can help</a:t>
+            </a:r>
           </a:p>
         </p:txBody>
       </p:sp>

--- a/development/AdvancedDNASeq/slides/Part2_Indels.pptx
+++ b/development/AdvancedDNASeq/slides/Part2_Indels.pptx
@@ -5,7 +5,7 @@
     <p:sldMasterId id="2147484112" r:id="rId1"/>
   </p:sldMasterIdLst>
   <p:handoutMasterIdLst>
-    <p:handoutMasterId r:id="rId14"/>
+    <p:handoutMasterId r:id="rId16"/>
   </p:handoutMasterIdLst>
   <p:sldIdLst>
     <p:sldId id="390" r:id="rId2"/>
@@ -14,12 +14,14 @@
     <p:sldId id="408" r:id="rId5"/>
     <p:sldId id="400" r:id="rId6"/>
     <p:sldId id="409" r:id="rId7"/>
-    <p:sldId id="410" r:id="rId8"/>
-    <p:sldId id="411" r:id="rId9"/>
-    <p:sldId id="415" r:id="rId10"/>
-    <p:sldId id="416" r:id="rId11"/>
-    <p:sldId id="414" r:id="rId12"/>
-    <p:sldId id="413" r:id="rId13"/>
+    <p:sldId id="418" r:id="rId8"/>
+    <p:sldId id="419" r:id="rId9"/>
+    <p:sldId id="410" r:id="rId10"/>
+    <p:sldId id="411" r:id="rId11"/>
+    <p:sldId id="415" r:id="rId12"/>
+    <p:sldId id="416" r:id="rId13"/>
+    <p:sldId id="414" r:id="rId14"/>
+    <p:sldId id="413" r:id="rId15"/>
   </p:sldIdLst>
   <p:sldSz cx="9144000" cy="6858000" type="screen4x3"/>
   <p:notesSz cx="6858000" cy="9144000"/>
@@ -118,6 +120,22 @@
       </a:defRPr>
     </a:lvl9pPr>
   </p:defaultTextStyle>
+  <p:extLst>
+    <p:ext uri="{EFAFB233-063F-42B5-8137-9DF3F51BA10A}">
+      <p15:sldGuideLst xmlns:p15="http://schemas.microsoft.com/office/powerpoint/2012/main">
+        <p15:guide id="1" orient="horz" pos="2160">
+          <p15:clr>
+            <a:srgbClr val="A4A3A4"/>
+          </p15:clr>
+        </p15:guide>
+        <p15:guide id="2" pos="2880">
+          <p15:clr>
+            <a:srgbClr val="A4A3A4"/>
+          </p15:clr>
+        </p15:guide>
+      </p15:sldGuideLst>
+    </p:ext>
+  </p:extLst>
 </p:presentation>
 </file>
 
@@ -203,7 +221,7 @@
           <a:p>
             <a:fld id="{07AFF704-C85E-D24C-A7E3-0F9EBEED715E}" type="datetimeFigureOut">
               <a:rPr lang="en-US" smtClean="0"/>
-              <a:t>5/22/17</a:t>
+              <a:t>2/26/18</a:t>
             </a:fld>
             <a:endParaRPr lang="en-US"/>
           </a:p>
@@ -475,10 +493,9 @@
           </a:lstStyle>
           <a:p>
             <a:r>
-              <a:rPr kumimoji="0" lang="en-US" smtClean="0"/>
+              <a:rPr kumimoji="0" lang="en-US"/>
               <a:t>Click to edit Master title style</a:t>
             </a:r>
-            <a:endParaRPr kumimoji="0" lang="en-US"/>
           </a:p>
         </p:txBody>
       </p:sp>
@@ -538,10 +555,9 @@
           </a:lstStyle>
           <a:p>
             <a:r>
-              <a:rPr kumimoji="0" lang="en-US" smtClean="0"/>
+              <a:rPr kumimoji="0" lang="en-US"/>
               <a:t>Click to edit Master subtitle style</a:t>
             </a:r>
-            <a:endParaRPr kumimoji="0" lang="en-US"/>
           </a:p>
         </p:txBody>
       </p:sp>
@@ -577,7 +593,7 @@
           <a:p>
             <a:fld id="{C8A432C8-69A7-458B-9684-2BFA64B31948}" type="datetime2">
               <a:rPr lang="en-US" smtClean="0"/>
-              <a:t>Monday, May 22, 17</a:t>
+              <a:t>Monday, February 26, 2018</a:t>
             </a:fld>
             <a:endParaRPr lang="en-US"/>
           </a:p>
@@ -694,10 +710,9 @@
           <a:lstStyle/>
           <a:p>
             <a:r>
-              <a:rPr kumimoji="0" lang="en-US" smtClean="0"/>
+              <a:rPr kumimoji="0" lang="en-US"/>
               <a:t>Click to edit Master title style</a:t>
             </a:r>
-            <a:endParaRPr kumimoji="0" lang="en-US"/>
           </a:p>
         </p:txBody>
       </p:sp>
@@ -718,35 +733,35 @@
           <a:p>
             <a:pPr lvl="0" eaLnBrk="1" latinLnBrk="0" hangingPunct="1"/>
             <a:r>
-              <a:rPr lang="en-US" smtClean="0"/>
+              <a:rPr lang="en-US"/>
               <a:t>Click to edit Master text styles</a:t>
             </a:r>
           </a:p>
           <a:p>
             <a:pPr lvl="1" eaLnBrk="1" latinLnBrk="0" hangingPunct="1"/>
             <a:r>
-              <a:rPr lang="en-US" smtClean="0"/>
+              <a:rPr lang="en-US"/>
               <a:t>Second level</a:t>
             </a:r>
           </a:p>
           <a:p>
             <a:pPr lvl="2" eaLnBrk="1" latinLnBrk="0" hangingPunct="1"/>
             <a:r>
-              <a:rPr lang="en-US" smtClean="0"/>
+              <a:rPr lang="en-US"/>
               <a:t>Third level</a:t>
             </a:r>
           </a:p>
           <a:p>
             <a:pPr lvl="3" eaLnBrk="1" latinLnBrk="0" hangingPunct="1"/>
             <a:r>
-              <a:rPr lang="en-US" smtClean="0"/>
+              <a:rPr lang="en-US"/>
               <a:t>Fourth level</a:t>
             </a:r>
           </a:p>
           <a:p>
             <a:pPr lvl="4" eaLnBrk="1" latinLnBrk="0" hangingPunct="1"/>
             <a:r>
-              <a:rPr lang="en-US" smtClean="0"/>
+              <a:rPr lang="en-US"/>
               <a:t>Fifth level</a:t>
             </a:r>
             <a:endParaRPr kumimoji="0" lang="en-US"/>
@@ -770,7 +785,7 @@
           <a:p>
             <a:fld id="{8CC057FC-95B6-4D89-AFDA-ABA33EE921E5}" type="datetime2">
               <a:rPr lang="en-US" smtClean="0"/>
-              <a:t>Monday, May 22, 17</a:t>
+              <a:t>Monday, February 26, 2018</a:t>
             </a:fld>
             <a:endParaRPr lang="en-US"/>
           </a:p>
@@ -871,10 +886,9 @@
           <a:lstStyle/>
           <a:p>
             <a:r>
-              <a:rPr kumimoji="0" lang="en-US" smtClean="0"/>
+              <a:rPr kumimoji="0" lang="en-US"/>
               <a:t>Click to edit Master title style</a:t>
             </a:r>
-            <a:endParaRPr kumimoji="0" lang="en-US"/>
           </a:p>
         </p:txBody>
       </p:sp>
@@ -900,35 +914,35 @@
           <a:p>
             <a:pPr lvl="0" eaLnBrk="1" latinLnBrk="0" hangingPunct="1"/>
             <a:r>
-              <a:rPr lang="en-US" smtClean="0"/>
+              <a:rPr lang="en-US"/>
               <a:t>Click to edit Master text styles</a:t>
             </a:r>
           </a:p>
           <a:p>
             <a:pPr lvl="1" eaLnBrk="1" latinLnBrk="0" hangingPunct="1"/>
             <a:r>
-              <a:rPr lang="en-US" smtClean="0"/>
+              <a:rPr lang="en-US"/>
               <a:t>Second level</a:t>
             </a:r>
           </a:p>
           <a:p>
             <a:pPr lvl="2" eaLnBrk="1" latinLnBrk="0" hangingPunct="1"/>
             <a:r>
-              <a:rPr lang="en-US" smtClean="0"/>
+              <a:rPr lang="en-US"/>
               <a:t>Third level</a:t>
             </a:r>
           </a:p>
           <a:p>
             <a:pPr lvl="3" eaLnBrk="1" latinLnBrk="0" hangingPunct="1"/>
             <a:r>
-              <a:rPr lang="en-US" smtClean="0"/>
+              <a:rPr lang="en-US"/>
               <a:t>Fourth level</a:t>
             </a:r>
           </a:p>
           <a:p>
             <a:pPr lvl="4" eaLnBrk="1" latinLnBrk="0" hangingPunct="1"/>
             <a:r>
-              <a:rPr lang="en-US" smtClean="0"/>
+              <a:rPr lang="en-US"/>
               <a:t>Fifth level</a:t>
             </a:r>
             <a:endParaRPr kumimoji="0" lang="en-US"/>
@@ -957,7 +971,7 @@
           <a:p>
             <a:fld id="{EC4549AC-EB31-477F-92A9-B1988E232878}" type="datetime2">
               <a:rPr lang="en-US" smtClean="0"/>
-              <a:t>Monday, May 22, 17</a:t>
+              <a:t>Monday, February 26, 2018</a:t>
             </a:fld>
             <a:endParaRPr lang="en-US"/>
           </a:p>
@@ -1198,10 +1212,9 @@
           <a:lstStyle/>
           <a:p>
             <a:r>
-              <a:rPr kumimoji="0" lang="en-US" smtClean="0"/>
+              <a:rPr kumimoji="0" lang="en-US"/>
               <a:t>Click to edit Master title style</a:t>
             </a:r>
-            <a:endParaRPr kumimoji="0" lang="en-US"/>
           </a:p>
         </p:txBody>
       </p:sp>
@@ -1222,7 +1235,7 @@
           <a:p>
             <a:fld id="{6396A3A3-94A6-4E5B-AF39-173ACA3E61CC}" type="datetime2">
               <a:rPr lang="en-US" smtClean="0"/>
-              <a:t>Monday, May 22, 17</a:t>
+              <a:t>Monday, February 26, 2018</a:t>
             </a:fld>
             <a:endParaRPr lang="en-US"/>
           </a:p>
@@ -1302,35 +1315,35 @@
           <a:p>
             <a:pPr lvl="0" eaLnBrk="1" latinLnBrk="0" hangingPunct="1"/>
             <a:r>
-              <a:rPr lang="en-US" smtClean="0"/>
+              <a:rPr lang="en-US"/>
               <a:t>Click to edit Master text styles</a:t>
             </a:r>
           </a:p>
           <a:p>
             <a:pPr lvl="1" eaLnBrk="1" latinLnBrk="0" hangingPunct="1"/>
             <a:r>
-              <a:rPr lang="en-US" smtClean="0"/>
+              <a:rPr lang="en-US"/>
               <a:t>Second level</a:t>
             </a:r>
           </a:p>
           <a:p>
             <a:pPr lvl="2" eaLnBrk="1" latinLnBrk="0" hangingPunct="1"/>
             <a:r>
-              <a:rPr lang="en-US" smtClean="0"/>
+              <a:rPr lang="en-US"/>
               <a:t>Third level</a:t>
             </a:r>
           </a:p>
           <a:p>
             <a:pPr lvl="3" eaLnBrk="1" latinLnBrk="0" hangingPunct="1"/>
             <a:r>
-              <a:rPr lang="en-US" smtClean="0"/>
+              <a:rPr lang="en-US"/>
               <a:t>Fourth level</a:t>
             </a:r>
           </a:p>
           <a:p>
             <a:pPr lvl="4" eaLnBrk="1" latinLnBrk="0" hangingPunct="1"/>
             <a:r>
-              <a:rPr lang="en-US" smtClean="0"/>
+              <a:rPr lang="en-US"/>
               <a:t>Fifth level</a:t>
             </a:r>
             <a:endParaRPr kumimoji="0" lang="en-US"/>
@@ -1438,7 +1451,7 @@
           <a:p>
             <a:pPr lvl="0" eaLnBrk="1" latinLnBrk="0" hangingPunct="1"/>
             <a:r>
-              <a:rPr kumimoji="0" lang="en-US" smtClean="0"/>
+              <a:rPr kumimoji="0" lang="en-US"/>
               <a:t>Click to edit Master text styles</a:t>
             </a:r>
           </a:p>
@@ -1616,10 +1629,9 @@
           </a:lstStyle>
           <a:p>
             <a:r>
-              <a:rPr kumimoji="0" lang="en-US" smtClean="0"/>
+              <a:rPr kumimoji="0" lang="en-US"/>
               <a:t>Click to edit Master title style</a:t>
             </a:r>
-            <a:endParaRPr kumimoji="0" lang="en-US"/>
           </a:p>
         </p:txBody>
       </p:sp>
@@ -1640,7 +1652,7 @@
           <a:p>
             <a:fld id="{9933D019-A32C-4EAD-B8E6-DBDA699692FD}" type="datetime2">
               <a:rPr lang="en-US" smtClean="0"/>
-              <a:t>Monday, May 22, 17</a:t>
+              <a:t>Monday, February 26, 2018</a:t>
             </a:fld>
             <a:endParaRPr lang="en-US"/>
           </a:p>
@@ -1746,10 +1758,9 @@
           <a:lstStyle/>
           <a:p>
             <a:r>
-              <a:rPr kumimoji="0" lang="en-US" smtClean="0"/>
+              <a:rPr kumimoji="0" lang="en-US"/>
               <a:t>Click to edit Master title style</a:t>
             </a:r>
-            <a:endParaRPr kumimoji="0" lang="en-US"/>
           </a:p>
         </p:txBody>
       </p:sp>
@@ -1775,35 +1786,35 @@
           <a:p>
             <a:pPr lvl="0" eaLnBrk="1" latinLnBrk="0" hangingPunct="1"/>
             <a:r>
-              <a:rPr lang="en-US" smtClean="0"/>
+              <a:rPr lang="en-US"/>
               <a:t>Click to edit Master text styles</a:t>
             </a:r>
           </a:p>
           <a:p>
             <a:pPr lvl="1" eaLnBrk="1" latinLnBrk="0" hangingPunct="1"/>
             <a:r>
-              <a:rPr lang="en-US" smtClean="0"/>
+              <a:rPr lang="en-US"/>
               <a:t>Second level</a:t>
             </a:r>
           </a:p>
           <a:p>
             <a:pPr lvl="2" eaLnBrk="1" latinLnBrk="0" hangingPunct="1"/>
             <a:r>
-              <a:rPr lang="en-US" smtClean="0"/>
+              <a:rPr lang="en-US"/>
               <a:t>Third level</a:t>
             </a:r>
           </a:p>
           <a:p>
             <a:pPr lvl="3" eaLnBrk="1" latinLnBrk="0" hangingPunct="1"/>
             <a:r>
-              <a:rPr lang="en-US" smtClean="0"/>
+              <a:rPr lang="en-US"/>
               <a:t>Fourth level</a:t>
             </a:r>
           </a:p>
           <a:p>
             <a:pPr lvl="4" eaLnBrk="1" latinLnBrk="0" hangingPunct="1"/>
             <a:r>
-              <a:rPr lang="en-US" smtClean="0"/>
+              <a:rPr lang="en-US"/>
               <a:t>Fifth level</a:t>
             </a:r>
             <a:endParaRPr kumimoji="0" lang="en-US"/>
@@ -1832,35 +1843,35 @@
           <a:p>
             <a:pPr lvl="0" eaLnBrk="1" latinLnBrk="0" hangingPunct="1"/>
             <a:r>
-              <a:rPr lang="en-US" smtClean="0"/>
+              <a:rPr lang="en-US"/>
               <a:t>Click to edit Master text styles</a:t>
             </a:r>
           </a:p>
           <a:p>
             <a:pPr lvl="1" eaLnBrk="1" latinLnBrk="0" hangingPunct="1"/>
             <a:r>
-              <a:rPr lang="en-US" smtClean="0"/>
+              <a:rPr lang="en-US"/>
               <a:t>Second level</a:t>
             </a:r>
           </a:p>
           <a:p>
             <a:pPr lvl="2" eaLnBrk="1" latinLnBrk="0" hangingPunct="1"/>
             <a:r>
-              <a:rPr lang="en-US" smtClean="0"/>
+              <a:rPr lang="en-US"/>
               <a:t>Third level</a:t>
             </a:r>
           </a:p>
           <a:p>
             <a:pPr lvl="3" eaLnBrk="1" latinLnBrk="0" hangingPunct="1"/>
             <a:r>
-              <a:rPr lang="en-US" smtClean="0"/>
+              <a:rPr lang="en-US"/>
               <a:t>Fourth level</a:t>
             </a:r>
           </a:p>
           <a:p>
             <a:pPr lvl="4" eaLnBrk="1" latinLnBrk="0" hangingPunct="1"/>
             <a:r>
-              <a:rPr lang="en-US" smtClean="0"/>
+              <a:rPr lang="en-US"/>
               <a:t>Fifth level</a:t>
             </a:r>
             <a:endParaRPr kumimoji="0" lang="en-US"/>
@@ -1884,7 +1895,7 @@
           <a:p>
             <a:fld id="{CCEBA98F-560C-4997-81C4-81D4D9187EAB}" type="datetime2">
               <a:rPr lang="en-US" smtClean="0"/>
-              <a:t>Monday, May 22, 17</a:t>
+              <a:t>Monday, February 26, 2018</a:t>
             </a:fld>
             <a:endParaRPr lang="en-US"/>
           </a:p>
@@ -1984,10 +1995,9 @@
           </a:lstStyle>
           <a:p>
             <a:r>
-              <a:rPr kumimoji="0" lang="en-US" smtClean="0"/>
+              <a:rPr kumimoji="0" lang="en-US"/>
               <a:t>Click to edit Master title style</a:t>
             </a:r>
-            <a:endParaRPr kumimoji="0" lang="en-US"/>
           </a:p>
         </p:txBody>
       </p:sp>
@@ -2013,35 +2023,35 @@
           <a:p>
             <a:pPr lvl="0" eaLnBrk="1" latinLnBrk="0" hangingPunct="1"/>
             <a:r>
-              <a:rPr lang="en-US" smtClean="0"/>
+              <a:rPr lang="en-US"/>
               <a:t>Click to edit Master text styles</a:t>
             </a:r>
           </a:p>
           <a:p>
             <a:pPr lvl="1" eaLnBrk="1" latinLnBrk="0" hangingPunct="1"/>
             <a:r>
-              <a:rPr lang="en-US" smtClean="0"/>
+              <a:rPr lang="en-US"/>
               <a:t>Second level</a:t>
             </a:r>
           </a:p>
           <a:p>
             <a:pPr lvl="2" eaLnBrk="1" latinLnBrk="0" hangingPunct="1"/>
             <a:r>
-              <a:rPr lang="en-US" smtClean="0"/>
+              <a:rPr lang="en-US"/>
               <a:t>Third level</a:t>
             </a:r>
           </a:p>
           <a:p>
             <a:pPr lvl="3" eaLnBrk="1" latinLnBrk="0" hangingPunct="1"/>
             <a:r>
-              <a:rPr lang="en-US" smtClean="0"/>
+              <a:rPr lang="en-US"/>
               <a:t>Fourth level</a:t>
             </a:r>
           </a:p>
           <a:p>
             <a:pPr lvl="4" eaLnBrk="1" latinLnBrk="0" hangingPunct="1"/>
             <a:r>
-              <a:rPr lang="en-US" smtClean="0"/>
+              <a:rPr lang="en-US"/>
               <a:t>Fifth level</a:t>
             </a:r>
             <a:endParaRPr kumimoji="0" lang="en-US"/>
@@ -2070,35 +2080,35 @@
           <a:p>
             <a:pPr lvl="0" eaLnBrk="1" latinLnBrk="0" hangingPunct="1"/>
             <a:r>
-              <a:rPr lang="en-US" smtClean="0"/>
+              <a:rPr lang="en-US"/>
               <a:t>Click to edit Master text styles</a:t>
             </a:r>
           </a:p>
           <a:p>
             <a:pPr lvl="1" eaLnBrk="1" latinLnBrk="0" hangingPunct="1"/>
             <a:r>
-              <a:rPr lang="en-US" smtClean="0"/>
+              <a:rPr lang="en-US"/>
               <a:t>Second level</a:t>
             </a:r>
           </a:p>
           <a:p>
             <a:pPr lvl="2" eaLnBrk="1" latinLnBrk="0" hangingPunct="1"/>
             <a:r>
-              <a:rPr lang="en-US" smtClean="0"/>
+              <a:rPr lang="en-US"/>
               <a:t>Third level</a:t>
             </a:r>
           </a:p>
           <a:p>
             <a:pPr lvl="3" eaLnBrk="1" latinLnBrk="0" hangingPunct="1"/>
             <a:r>
-              <a:rPr lang="en-US" smtClean="0"/>
+              <a:rPr lang="en-US"/>
               <a:t>Fourth level</a:t>
             </a:r>
           </a:p>
           <a:p>
             <a:pPr lvl="4" eaLnBrk="1" latinLnBrk="0" hangingPunct="1"/>
             <a:r>
-              <a:rPr lang="en-US" smtClean="0"/>
+              <a:rPr lang="en-US"/>
               <a:t>Fifth level</a:t>
             </a:r>
             <a:endParaRPr kumimoji="0" lang="en-US"/>
@@ -2122,7 +2132,7 @@
           <a:p>
             <a:fld id="{150972B2-CA5C-437D-87D0-8081271A9E4B}" type="datetime2">
               <a:rPr lang="en-US" smtClean="0"/>
-              <a:t>Monday, May 22, 17</a:t>
+              <a:t>Monday, February 26, 2018</a:t>
             </a:fld>
             <a:endParaRPr lang="en-US"/>
           </a:p>
@@ -2207,7 +2217,7 @@
           <a:p>
             <a:pPr lvl="0" eaLnBrk="1" latinLnBrk="0" hangingPunct="1"/>
             <a:r>
-              <a:rPr kumimoji="0" lang="en-US" smtClean="0"/>
+              <a:rPr kumimoji="0" lang="en-US"/>
               <a:t>Click to edit Master text styles</a:t>
             </a:r>
           </a:p>
@@ -2248,7 +2258,7 @@
           <a:p>
             <a:pPr lvl="0" eaLnBrk="1" latinLnBrk="0" hangingPunct="1"/>
             <a:r>
-              <a:rPr kumimoji="0" lang="en-US" smtClean="0"/>
+              <a:rPr kumimoji="0" lang="en-US"/>
               <a:t>Click to edit Master text styles</a:t>
             </a:r>
           </a:p>
@@ -2295,10 +2305,9 @@
           <a:lstStyle/>
           <a:p>
             <a:r>
-              <a:rPr kumimoji="0" lang="en-US" smtClean="0"/>
+              <a:rPr kumimoji="0" lang="en-US"/>
               <a:t>Click to edit Master title style</a:t>
             </a:r>
-            <a:endParaRPr kumimoji="0" lang="en-US"/>
           </a:p>
         </p:txBody>
       </p:sp>
@@ -2319,7 +2328,7 @@
           <a:p>
             <a:fld id="{79CD4847-11EF-4466-A8AD-85CDB7B49118}" type="datetime2">
               <a:rPr lang="en-US" smtClean="0"/>
-              <a:t>Monday, May 22, 17</a:t>
+              <a:t>Monday, February 26, 2018</a:t>
             </a:fld>
             <a:endParaRPr lang="en-US"/>
           </a:p>
@@ -2419,7 +2428,7 @@
           <a:p>
             <a:fld id="{F168457A-3AB9-4880-8A0C-9F8524491207}" type="datetime2">
               <a:rPr lang="en-US" smtClean="0"/>
-              <a:t>Monday, May 22, 17</a:t>
+              <a:t>Monday, February 26, 2018</a:t>
             </a:fld>
             <a:endParaRPr lang="en-US"/>
           </a:p>
@@ -2533,10 +2542,9 @@
           </a:lstStyle>
           <a:p>
             <a:r>
-              <a:rPr kumimoji="0" lang="en-US" smtClean="0"/>
+              <a:rPr kumimoji="0" lang="en-US"/>
               <a:t>Click to edit Master title style</a:t>
             </a:r>
-            <a:endParaRPr kumimoji="0" lang="en-US"/>
           </a:p>
         </p:txBody>
       </p:sp>
@@ -2557,7 +2565,7 @@
           <a:p>
             <a:fld id="{3FE976D3-5B7F-4300-ABED-C91F1B2AE209}" type="datetime2">
               <a:rPr lang="en-US" smtClean="0"/>
-              <a:t>Monday, May 22, 17</a:t>
+              <a:t>Monday, February 26, 2018</a:t>
             </a:fld>
             <a:endParaRPr lang="en-US"/>
           </a:p>
@@ -2683,7 +2691,7 @@
           <a:p>
             <a:pPr lvl="0" eaLnBrk="1" latinLnBrk="0" hangingPunct="1"/>
             <a:r>
-              <a:rPr kumimoji="0" lang="en-US" smtClean="0"/>
+              <a:rPr kumimoji="0" lang="en-US"/>
               <a:t>Click to edit Master text styles</a:t>
             </a:r>
           </a:p>
@@ -2711,35 +2719,35 @@
           <a:p>
             <a:pPr lvl="0" eaLnBrk="1" latinLnBrk="0" hangingPunct="1"/>
             <a:r>
-              <a:rPr lang="en-US" smtClean="0"/>
+              <a:rPr lang="en-US"/>
               <a:t>Click to edit Master text styles</a:t>
             </a:r>
           </a:p>
           <a:p>
             <a:pPr lvl="1" eaLnBrk="1" latinLnBrk="0" hangingPunct="1"/>
             <a:r>
-              <a:rPr lang="en-US" smtClean="0"/>
+              <a:rPr lang="en-US"/>
               <a:t>Second level</a:t>
             </a:r>
           </a:p>
           <a:p>
             <a:pPr lvl="2" eaLnBrk="1" latinLnBrk="0" hangingPunct="1"/>
             <a:r>
-              <a:rPr lang="en-US" smtClean="0"/>
+              <a:rPr lang="en-US"/>
               <a:t>Third level</a:t>
             </a:r>
           </a:p>
           <a:p>
             <a:pPr lvl="3" eaLnBrk="1" latinLnBrk="0" hangingPunct="1"/>
             <a:r>
-              <a:rPr lang="en-US" smtClean="0"/>
+              <a:rPr lang="en-US"/>
               <a:t>Fourth level</a:t>
             </a:r>
           </a:p>
           <a:p>
             <a:pPr lvl="4" eaLnBrk="1" latinLnBrk="0" hangingPunct="1"/>
             <a:r>
-              <a:rPr lang="en-US" smtClean="0"/>
+              <a:rPr lang="en-US"/>
               <a:t>Fifth level</a:t>
             </a:r>
             <a:endParaRPr kumimoji="0" lang="en-US"/>
@@ -2824,7 +2832,7 @@
           <a:p>
             <a:pPr lvl="0" eaLnBrk="1" latinLnBrk="0" hangingPunct="1"/>
             <a:r>
-              <a:rPr kumimoji="0" lang="en-US" smtClean="0"/>
+              <a:rPr kumimoji="0" lang="en-US"/>
               <a:t>Click to edit Master text styles</a:t>
             </a:r>
           </a:p>
@@ -3002,10 +3010,9 @@
           </a:lstStyle>
           <a:p>
             <a:r>
-              <a:rPr kumimoji="0" lang="en-US" smtClean="0"/>
+              <a:rPr kumimoji="0" lang="en-US"/>
               <a:t>Click to edit Master title style</a:t>
             </a:r>
-            <a:endParaRPr kumimoji="0" lang="en-US"/>
           </a:p>
         </p:txBody>
       </p:sp>
@@ -3077,7 +3084,7 @@
           <a:p>
             <a:fld id="{EBDC1E59-17DD-41CE-97CA-624A472382D4}" type="datetime2">
               <a:rPr lang="en-US" smtClean="0"/>
-              <a:t>Monday, May 22, 17</a:t>
+              <a:t>Monday, February 26, 2018</a:t>
             </a:fld>
             <a:endParaRPr lang="en-US"/>
           </a:p>
@@ -3175,7 +3182,7 @@
           </a:lstStyle>
           <a:p>
             <a:r>
-              <a:rPr kumimoji="0" lang="en-US" smtClean="0"/>
+              <a:rPr kumimoji="0" lang="en-US"/>
               <a:t>Drag picture to placeholder or click icon to add</a:t>
             </a:r>
             <a:endParaRPr kumimoji="0" lang="en-US" dirty="0"/>
@@ -3238,10 +3245,9 @@
           <a:lstStyle/>
           <a:p>
             <a:r>
-              <a:rPr kumimoji="0" lang="en-US" dirty="0" smtClean="0"/>
+              <a:rPr kumimoji="0" lang="en-US" dirty="0"/>
               <a:t>Click to edit Master title style</a:t>
             </a:r>
-            <a:endParaRPr kumimoji="0" lang="en-US" dirty="0"/>
           </a:p>
         </p:txBody>
       </p:sp>
@@ -3272,38 +3278,37 @@
           <a:p>
             <a:pPr lvl="0" eaLnBrk="1" latinLnBrk="0" hangingPunct="1"/>
             <a:r>
-              <a:rPr kumimoji="0" lang="en-US" dirty="0" smtClean="0"/>
+              <a:rPr kumimoji="0" lang="en-US" dirty="0"/>
               <a:t>Click to edit Master text styles</a:t>
             </a:r>
           </a:p>
           <a:p>
             <a:pPr lvl="1" eaLnBrk="1" latinLnBrk="0" hangingPunct="1"/>
             <a:r>
-              <a:rPr kumimoji="0" lang="en-US" dirty="0" smtClean="0"/>
+              <a:rPr kumimoji="0" lang="en-US" dirty="0"/>
               <a:t>Second level</a:t>
             </a:r>
           </a:p>
           <a:p>
             <a:pPr lvl="2" eaLnBrk="1" latinLnBrk="0" hangingPunct="1"/>
             <a:r>
-              <a:rPr kumimoji="0" lang="en-US" dirty="0" smtClean="0"/>
+              <a:rPr kumimoji="0" lang="en-US" dirty="0"/>
               <a:t>Third level</a:t>
             </a:r>
           </a:p>
           <a:p>
             <a:pPr lvl="3" eaLnBrk="1" latinLnBrk="0" hangingPunct="1"/>
             <a:r>
-              <a:rPr kumimoji="0" lang="en-US" dirty="0" smtClean="0"/>
+              <a:rPr kumimoji="0" lang="en-US" dirty="0"/>
               <a:t>Fourth level</a:t>
             </a:r>
           </a:p>
           <a:p>
             <a:pPr lvl="4" eaLnBrk="1" latinLnBrk="0" hangingPunct="1"/>
             <a:r>
-              <a:rPr kumimoji="0" lang="en-US" dirty="0" smtClean="0"/>
+              <a:rPr kumimoji="0" lang="en-US" dirty="0"/>
               <a:t>Fifth level</a:t>
             </a:r>
-            <a:endParaRPr kumimoji="0" lang="en-US" dirty="0"/>
           </a:p>
         </p:txBody>
       </p:sp>
@@ -3340,7 +3345,7 @@
           <a:p>
             <a:fld id="{A80CB818-7379-467D-8E76-EF9D9074A26C}" type="datetime2">
               <a:rPr lang="en-US" smtClean="0"/>
-              <a:t>Monday, May 22, 17</a:t>
+              <a:t>Monday, February 26, 2018</a:t>
             </a:fld>
             <a:endParaRPr lang="en-US" dirty="0"/>
           </a:p>
@@ -3901,14 +3906,10 @@
           <a:p>
             <a:r>
               <a:rPr lang="en-US" dirty="0"/>
-              <a:t>Beyond </a:t>
-            </a:r>
-            <a:r>
-              <a:rPr lang="en-US" dirty="0" smtClean="0"/>
-              <a:t>SNPs, part 1: </a:t>
-            </a:r>
-            <a:r>
-              <a:rPr lang="en-US" smtClean="0"/>
+              <a:t>Beyond SNPs, part 1: </a:t>
+            </a:r>
+            <a:r>
+              <a:rPr lang="en-US"/>
               <a:t>indels</a:t>
             </a:r>
             <a:endParaRPr lang="en-US" dirty="0"/>
@@ -3931,10 +3932,9 @@
           <a:lstStyle/>
           <a:p>
             <a:r>
-              <a:rPr lang="en-US" dirty="0" smtClean="0"/>
+              <a:rPr lang="en-US" dirty="0"/>
               <a:t>John Didion, PhD</a:t>
             </a:r>
-            <a:endParaRPr lang="en-US" dirty="0"/>
           </a:p>
         </p:txBody>
       </p:sp>
@@ -3987,10 +3987,698 @@
           <a:p>
             <a:pPr algn="ctr"/>
             <a:r>
-              <a:rPr lang="en-US" dirty="0" smtClean="0"/>
+              <a:rPr lang="en-US" dirty="0"/>
               <a:t>INDEL CALLING</a:t>
             </a:r>
+          </a:p>
+        </p:txBody>
+      </p:sp>
+      <p:sp>
+        <p:nvSpPr>
+          <p:cNvPr id="3" name="Content Placeholder 2"/>
+          <p:cNvSpPr>
+            <a:spLocks noGrp="1"/>
+          </p:cNvSpPr>
+          <p:nvPr>
+            <p:ph sz="quarter" idx="1"/>
+          </p:nvPr>
+        </p:nvSpPr>
+        <p:spPr>
+          <a:xfrm>
+            <a:off x="152400" y="1574800"/>
+            <a:ext cx="8864600" cy="5156200"/>
+          </a:xfrm>
+        </p:spPr>
+        <p:txBody>
+          <a:bodyPr>
+            <a:normAutofit/>
+          </a:bodyPr>
+          <a:lstStyle/>
+          <a:p>
+            <a:pPr marL="0" indent="0" algn="ctr">
+              <a:buNone/>
+            </a:pPr>
+            <a:r>
+              <a:rPr lang="en-US" sz="2800" u="sng" dirty="0"/>
+              <a:t>GATK: Example VQSR Command</a:t>
+            </a:r>
+          </a:p>
+          <a:p>
+            <a:pPr marL="0" indent="0">
+              <a:buNone/>
+            </a:pPr>
+            <a:r>
+              <a:rPr lang="en-US" sz="1400" dirty="0">
+                <a:latin typeface="Courier"/>
+                <a:cs typeface="Courier"/>
+              </a:rPr>
+              <a:t>$ java -jar </a:t>
+            </a:r>
+            <a:r>
+              <a:rPr lang="en-US" sz="1400" dirty="0" err="1">
+                <a:latin typeface="Courier"/>
+                <a:cs typeface="Courier"/>
+              </a:rPr>
+              <a:t>GenomeAnalysisTK.jar</a:t>
+            </a:r>
+            <a:r>
+              <a:rPr lang="en-US" sz="1400" dirty="0">
+                <a:latin typeface="Courier"/>
+                <a:cs typeface="Courier"/>
+              </a:rPr>
+              <a:t> \ </a:t>
+            </a:r>
+          </a:p>
+          <a:p>
+            <a:pPr marL="0" indent="0">
+              <a:buNone/>
+            </a:pPr>
+            <a:r>
+              <a:rPr lang="en-US" sz="1400" dirty="0">
+                <a:latin typeface="Courier"/>
+                <a:cs typeface="Courier"/>
+              </a:rPr>
+              <a:t>    -T </a:t>
+            </a:r>
+            <a:r>
+              <a:rPr lang="en-US" sz="1400" dirty="0" err="1">
+                <a:latin typeface="Courier"/>
+                <a:cs typeface="Courier"/>
+              </a:rPr>
+              <a:t>VariantRecalibrator</a:t>
+            </a:r>
+            <a:r>
+              <a:rPr lang="en-US" sz="1400" dirty="0">
+                <a:latin typeface="Courier"/>
+                <a:cs typeface="Courier"/>
+              </a:rPr>
+              <a:t> \ </a:t>
+            </a:r>
+          </a:p>
+          <a:p>
+            <a:pPr marL="0" indent="0">
+              <a:buNone/>
+            </a:pPr>
+            <a:r>
+              <a:rPr lang="en-US" sz="1400" dirty="0">
+                <a:latin typeface="Courier"/>
+                <a:cs typeface="Courier"/>
+              </a:rPr>
+              <a:t>    -R </a:t>
+            </a:r>
+            <a:r>
+              <a:rPr lang="en-US" sz="1400" dirty="0" err="1">
+                <a:latin typeface="Courier"/>
+                <a:cs typeface="Courier"/>
+              </a:rPr>
+              <a:t>reference.fa</a:t>
+            </a:r>
+            <a:r>
+              <a:rPr lang="en-US" sz="1400" dirty="0">
+                <a:latin typeface="Courier"/>
+                <a:cs typeface="Courier"/>
+              </a:rPr>
+              <a:t> \ </a:t>
+            </a:r>
+          </a:p>
+          <a:p>
+            <a:pPr marL="0" indent="0">
+              <a:buNone/>
+            </a:pPr>
+            <a:r>
+              <a:rPr lang="en-US" sz="1400" dirty="0">
+                <a:latin typeface="Courier"/>
+                <a:cs typeface="Courier"/>
+              </a:rPr>
+              <a:t>    -input </a:t>
+            </a:r>
+            <a:r>
+              <a:rPr lang="en-US" sz="1400" dirty="0" err="1">
+                <a:latin typeface="Courier"/>
+                <a:cs typeface="Courier"/>
+              </a:rPr>
+              <a:t>recalibrated_snps_raw_inrecalibrate_INDEL_plots.R</a:t>
+            </a:r>
+            <a:r>
+              <a:rPr lang="en-US" sz="1400" dirty="0">
+                <a:latin typeface="Courier"/>
+                <a:cs typeface="Courier"/>
+              </a:rPr>
+              <a:t> </a:t>
+            </a:r>
+            <a:r>
+              <a:rPr lang="en-US" sz="1400" dirty="0" err="1">
+                <a:latin typeface="Courier"/>
+                <a:cs typeface="Courier"/>
+              </a:rPr>
+              <a:t>dels.vcf</a:t>
+            </a:r>
+            <a:r>
+              <a:rPr lang="en-US" sz="1400" dirty="0">
+                <a:latin typeface="Courier"/>
+                <a:cs typeface="Courier"/>
+              </a:rPr>
+              <a:t> \ </a:t>
+            </a:r>
+          </a:p>
+          <a:p>
+            <a:pPr marL="0" indent="0">
+              <a:buNone/>
+            </a:pPr>
+            <a:r>
+              <a:rPr lang="en-US" sz="1400" dirty="0">
+                <a:latin typeface="Courier"/>
+                <a:cs typeface="Courier"/>
+              </a:rPr>
+              <a:t>    -</a:t>
+            </a:r>
+            <a:r>
+              <a:rPr lang="en-US" sz="1400" dirty="0" err="1">
+                <a:latin typeface="Courier"/>
+                <a:cs typeface="Courier"/>
+              </a:rPr>
+              <a:t>resource:mills,known</a:t>
+            </a:r>
+            <a:r>
+              <a:rPr lang="en-US" sz="1400" dirty="0">
+                <a:latin typeface="Courier"/>
+                <a:cs typeface="Courier"/>
+              </a:rPr>
+              <a:t>=</a:t>
+            </a:r>
+            <a:r>
+              <a:rPr lang="en-US" sz="1400" dirty="0" err="1">
+                <a:latin typeface="Courier"/>
+                <a:cs typeface="Courier"/>
+              </a:rPr>
+              <a:t>false,training</a:t>
+            </a:r>
+            <a:r>
+              <a:rPr lang="en-US" sz="1400" dirty="0">
+                <a:latin typeface="Courier"/>
+                <a:cs typeface="Courier"/>
+              </a:rPr>
+              <a:t>=</a:t>
+            </a:r>
+            <a:r>
+              <a:rPr lang="en-US" sz="1400" dirty="0" err="1">
+                <a:latin typeface="Courier"/>
+                <a:cs typeface="Courier"/>
+              </a:rPr>
+              <a:t>true,truth</a:t>
+            </a:r>
+            <a:r>
+              <a:rPr lang="en-US" sz="1400" dirty="0">
+                <a:latin typeface="Courier"/>
+                <a:cs typeface="Courier"/>
+              </a:rPr>
+              <a:t>=</a:t>
+            </a:r>
+            <a:r>
+              <a:rPr lang="en-US" sz="1400" dirty="0" err="1">
+                <a:latin typeface="Courier"/>
+                <a:cs typeface="Courier"/>
+              </a:rPr>
+              <a:t>true,prior</a:t>
+            </a:r>
+            <a:r>
+              <a:rPr lang="en-US" sz="1400" dirty="0">
+                <a:latin typeface="Courier"/>
+                <a:cs typeface="Courier"/>
+              </a:rPr>
+              <a:t>=12.0 \</a:t>
+            </a:r>
+          </a:p>
+          <a:p>
+            <a:pPr marL="0" indent="0">
+              <a:buNone/>
+            </a:pPr>
+            <a:r>
+              <a:rPr lang="en-US" sz="1400" dirty="0">
+                <a:latin typeface="Courier"/>
+                <a:cs typeface="Courier"/>
+              </a:rPr>
+              <a:t>        Mills_and_1000G_gold_standard.indels.b37.sites.vcf \</a:t>
+            </a:r>
+          </a:p>
+          <a:p>
+            <a:pPr marL="0" indent="0">
+              <a:buNone/>
+            </a:pPr>
+            <a:r>
+              <a:rPr lang="en-US" sz="1400" dirty="0">
+                <a:latin typeface="Courier"/>
+                <a:cs typeface="Courier"/>
+              </a:rPr>
+              <a:t>    -</a:t>
+            </a:r>
+            <a:r>
+              <a:rPr lang="en-US" sz="1400" dirty="0" err="1">
+                <a:latin typeface="Courier"/>
+                <a:cs typeface="Courier"/>
+              </a:rPr>
+              <a:t>resource:dbsnp,known</a:t>
+            </a:r>
+            <a:r>
+              <a:rPr lang="en-US" sz="1400" dirty="0">
+                <a:latin typeface="Courier"/>
+                <a:cs typeface="Courier"/>
+              </a:rPr>
+              <a:t>=</a:t>
+            </a:r>
+            <a:r>
+              <a:rPr lang="en-US" sz="1400" dirty="0" err="1">
+                <a:latin typeface="Courier"/>
+                <a:cs typeface="Courier"/>
+              </a:rPr>
+              <a:t>true,training</a:t>
+            </a:r>
+            <a:r>
+              <a:rPr lang="en-US" sz="1400" dirty="0">
+                <a:latin typeface="Courier"/>
+                <a:cs typeface="Courier"/>
+              </a:rPr>
+              <a:t>=</a:t>
+            </a:r>
+            <a:r>
+              <a:rPr lang="en-US" sz="1400" dirty="0" err="1">
+                <a:latin typeface="Courier"/>
+                <a:cs typeface="Courier"/>
+              </a:rPr>
+              <a:t>false,truth</a:t>
+            </a:r>
+            <a:r>
+              <a:rPr lang="en-US" sz="1400" dirty="0">
+                <a:latin typeface="Courier"/>
+                <a:cs typeface="Courier"/>
+              </a:rPr>
+              <a:t>=</a:t>
+            </a:r>
+            <a:r>
+              <a:rPr lang="en-US" sz="1400" dirty="0" err="1">
+                <a:latin typeface="Courier"/>
+                <a:cs typeface="Courier"/>
+              </a:rPr>
+              <a:t>false,prior</a:t>
+            </a:r>
+            <a:r>
+              <a:rPr lang="en-US" sz="1400" dirty="0">
+                <a:latin typeface="Courier"/>
+                <a:cs typeface="Courier"/>
+              </a:rPr>
+              <a:t>=2.0 </a:t>
+            </a:r>
+            <a:r>
+              <a:rPr lang="en-US" sz="1400" dirty="0" err="1">
+                <a:latin typeface="Courier"/>
+                <a:cs typeface="Courier"/>
+              </a:rPr>
+              <a:t>dbsnp.vcf</a:t>
+            </a:r>
+            <a:r>
+              <a:rPr lang="en-US" sz="1400" dirty="0">
+                <a:latin typeface="Courier"/>
+                <a:cs typeface="Courier"/>
+              </a:rPr>
+              <a:t> \ </a:t>
+            </a:r>
+          </a:p>
+          <a:p>
+            <a:pPr marL="0" indent="0">
+              <a:buNone/>
+            </a:pPr>
+            <a:r>
+              <a:rPr lang="en-US" sz="1400" dirty="0">
+                <a:latin typeface="Courier"/>
+                <a:cs typeface="Courier"/>
+              </a:rPr>
+              <a:t>    -an DP -an QD -an FS -an SOR -an </a:t>
+            </a:r>
+            <a:r>
+              <a:rPr lang="en-US" sz="1400" dirty="0" err="1">
+                <a:latin typeface="Courier"/>
+                <a:cs typeface="Courier"/>
+              </a:rPr>
+              <a:t>MQRankSum</a:t>
+            </a:r>
+            <a:r>
+              <a:rPr lang="en-US" sz="1400" dirty="0">
+                <a:latin typeface="Courier"/>
+                <a:cs typeface="Courier"/>
+              </a:rPr>
+              <a:t> -an </a:t>
+            </a:r>
+            <a:r>
+              <a:rPr lang="en-US" sz="1400" dirty="0" err="1">
+                <a:latin typeface="Courier"/>
+                <a:cs typeface="Courier"/>
+              </a:rPr>
+              <a:t>ReadPosRankSum</a:t>
+            </a:r>
+            <a:r>
+              <a:rPr lang="en-US" sz="1400" dirty="0">
+                <a:latin typeface="Courier"/>
+                <a:cs typeface="Courier"/>
+              </a:rPr>
+              <a:t> \ </a:t>
+            </a:r>
+          </a:p>
+          <a:p>
+            <a:pPr marL="0" indent="0">
+              <a:buNone/>
+            </a:pPr>
+            <a:r>
+              <a:rPr lang="en-US" sz="1400" dirty="0">
+                <a:latin typeface="Courier"/>
+                <a:cs typeface="Courier"/>
+              </a:rPr>
+              <a:t>    -an </a:t>
+            </a:r>
+            <a:r>
+              <a:rPr lang="en-US" sz="1400" dirty="0" err="1">
+                <a:latin typeface="Courier"/>
+                <a:cs typeface="Courier"/>
+              </a:rPr>
+              <a:t>InbreedingCoeff</a:t>
+            </a:r>
+            <a:r>
+              <a:rPr lang="en-US" sz="1400" dirty="0">
+                <a:latin typeface="Courier"/>
+                <a:cs typeface="Courier"/>
+              </a:rPr>
+              <a:t> \</a:t>
+            </a:r>
+          </a:p>
+          <a:p>
+            <a:pPr marL="0" indent="0">
+              <a:buNone/>
+            </a:pPr>
+            <a:r>
+              <a:rPr lang="en-US" sz="1400" dirty="0">
+                <a:latin typeface="Courier"/>
+                <a:cs typeface="Courier"/>
+              </a:rPr>
+              <a:t>    -mode INDEL \ </a:t>
+            </a:r>
+          </a:p>
+          <a:p>
+            <a:pPr marL="0" indent="0">
+              <a:buNone/>
+            </a:pPr>
+            <a:r>
+              <a:rPr lang="en-US" sz="1400" dirty="0">
+                <a:latin typeface="Courier"/>
+                <a:cs typeface="Courier"/>
+              </a:rPr>
+              <a:t>    -tranche 100.0 -tranche 99.9 -tranche 99.0 -tranche 90.0 \ </a:t>
+            </a:r>
+          </a:p>
+          <a:p>
+            <a:pPr marL="0" indent="0">
+              <a:buNone/>
+            </a:pPr>
+            <a:r>
+              <a:rPr lang="en-US" sz="1400" dirty="0">
+                <a:latin typeface="Courier"/>
+                <a:cs typeface="Courier"/>
+              </a:rPr>
+              <a:t>    --</a:t>
+            </a:r>
+            <a:r>
+              <a:rPr lang="en-US" sz="1400" dirty="0" err="1">
+                <a:latin typeface="Courier"/>
+                <a:cs typeface="Courier"/>
+              </a:rPr>
+              <a:t>maxGaussians</a:t>
+            </a:r>
+            <a:r>
+              <a:rPr lang="en-US" sz="1400" dirty="0">
+                <a:latin typeface="Courier"/>
+                <a:cs typeface="Courier"/>
+              </a:rPr>
+              <a:t> 4 -</a:t>
+            </a:r>
+            <a:r>
+              <a:rPr lang="en-US" sz="1400" dirty="0" err="1">
+                <a:latin typeface="Courier"/>
+                <a:cs typeface="Courier"/>
+              </a:rPr>
+              <a:t>recalFile</a:t>
+            </a:r>
+            <a:r>
+              <a:rPr lang="en-US" sz="1400" dirty="0">
+                <a:latin typeface="Courier"/>
+                <a:cs typeface="Courier"/>
+              </a:rPr>
+              <a:t> </a:t>
+            </a:r>
+            <a:r>
+              <a:rPr lang="en-US" sz="1400" dirty="0" err="1">
+                <a:latin typeface="Courier"/>
+                <a:cs typeface="Courier"/>
+              </a:rPr>
+              <a:t>recalibrate_INDEL.recal</a:t>
+            </a:r>
+            <a:r>
+              <a:rPr lang="en-US" sz="1400" dirty="0">
+                <a:latin typeface="Courier"/>
+                <a:cs typeface="Courier"/>
+              </a:rPr>
+              <a:t> \ </a:t>
+            </a:r>
+          </a:p>
+          <a:p>
+            <a:pPr marL="0" indent="0">
+              <a:buNone/>
+            </a:pPr>
+            <a:r>
+              <a:rPr lang="en-US" sz="1400" dirty="0">
+                <a:latin typeface="Courier"/>
+                <a:cs typeface="Courier"/>
+              </a:rPr>
+              <a:t>    -</a:t>
+            </a:r>
+            <a:r>
+              <a:rPr lang="en-US" sz="1400" dirty="0" err="1">
+                <a:latin typeface="Courier"/>
+                <a:cs typeface="Courier"/>
+              </a:rPr>
+              <a:t>tranchesFile</a:t>
+            </a:r>
+            <a:r>
+              <a:rPr lang="en-US" sz="1400" dirty="0">
+                <a:latin typeface="Courier"/>
+                <a:cs typeface="Courier"/>
+              </a:rPr>
+              <a:t> </a:t>
+            </a:r>
+            <a:r>
+              <a:rPr lang="en-US" sz="1400" dirty="0" err="1">
+                <a:latin typeface="Courier"/>
+                <a:cs typeface="Courier"/>
+              </a:rPr>
+              <a:t>recalibrate_INDEL.tranches</a:t>
+            </a:r>
+            <a:r>
+              <a:rPr lang="en-US" sz="1400" dirty="0">
+                <a:latin typeface="Courier"/>
+                <a:cs typeface="Courier"/>
+              </a:rPr>
+              <a:t> \ </a:t>
+            </a:r>
+          </a:p>
+          <a:p>
+            <a:pPr marL="0" indent="0">
+              <a:buNone/>
+            </a:pPr>
+            <a:r>
+              <a:rPr lang="en-US" sz="1400" dirty="0">
+                <a:latin typeface="Courier"/>
+                <a:cs typeface="Courier"/>
+              </a:rPr>
+              <a:t>    -</a:t>
+            </a:r>
+            <a:r>
+              <a:rPr lang="en-US" sz="1400" dirty="0" err="1">
+                <a:latin typeface="Courier"/>
+                <a:cs typeface="Courier"/>
+              </a:rPr>
+              <a:t>rscriptFile</a:t>
+            </a:r>
+            <a:endParaRPr lang="en-US" sz="1400" dirty="0">
+              <a:latin typeface="Courier"/>
+              <a:cs typeface="Courier"/>
+            </a:endParaRPr>
+          </a:p>
+        </p:txBody>
+      </p:sp>
+    </p:spTree>
+    <p:extLst>
+      <p:ext uri="{BB962C8B-B14F-4D97-AF65-F5344CB8AC3E}">
+        <p14:creationId xmlns:p14="http://schemas.microsoft.com/office/powerpoint/2010/main" val="3948450607"/>
+      </p:ext>
+    </p:extLst>
+  </p:cSld>
+  <p:clrMapOvr>
+    <a:masterClrMapping/>
+  </p:clrMapOvr>
+</p:sld>
+</file>
+
+<file path=ppt/slides/slide11.xml><?xml version="1.0" encoding="utf-8"?>
+<p:sld xmlns:a="http://schemas.openxmlformats.org/drawingml/2006/main" xmlns:r="http://schemas.openxmlformats.org/officeDocument/2006/relationships" xmlns:p="http://schemas.openxmlformats.org/presentationml/2006/main">
+  <p:cSld>
+    <p:spTree>
+      <p:nvGrpSpPr>
+        <p:cNvPr id="1" name=""/>
+        <p:cNvGrpSpPr/>
+        <p:nvPr/>
+      </p:nvGrpSpPr>
+      <p:grpSpPr>
+        <a:xfrm>
+          <a:off x="0" y="0"/>
+          <a:ext cx="0" cy="0"/>
+          <a:chOff x="0" y="0"/>
+          <a:chExt cx="0" cy="0"/>
+        </a:xfrm>
+      </p:grpSpPr>
+      <p:sp>
+        <p:nvSpPr>
+          <p:cNvPr id="2" name="Title 1"/>
+          <p:cNvSpPr>
+            <a:spLocks noGrp="1"/>
+          </p:cNvSpPr>
+          <p:nvPr>
+            <p:ph type="title"/>
+          </p:nvPr>
+        </p:nvSpPr>
+        <p:spPr/>
+        <p:txBody>
+          <a:bodyPr>
+            <a:normAutofit/>
+          </a:bodyPr>
+          <a:lstStyle/>
+          <a:p>
+            <a:pPr algn="ctr"/>
+            <a:r>
+              <a:rPr lang="en-US" dirty="0"/>
+              <a:t>INDEL CALLING</a:t>
+            </a:r>
+          </a:p>
+        </p:txBody>
+      </p:sp>
+      <p:sp>
+        <p:nvSpPr>
+          <p:cNvPr id="3" name="Content Placeholder 2"/>
+          <p:cNvSpPr>
+            <a:spLocks noGrp="1"/>
+          </p:cNvSpPr>
+          <p:nvPr>
+            <p:ph sz="quarter" idx="1"/>
+          </p:nvPr>
+        </p:nvSpPr>
+        <p:spPr>
+          <a:xfrm>
+            <a:off x="152400" y="1574800"/>
+            <a:ext cx="8864600" cy="5156200"/>
+          </a:xfrm>
+        </p:spPr>
+        <p:txBody>
+          <a:bodyPr>
+            <a:normAutofit/>
+          </a:bodyPr>
+          <a:lstStyle/>
+          <a:p>
+            <a:pPr marL="0" indent="0" algn="ctr">
+              <a:buNone/>
+            </a:pPr>
+            <a:r>
+              <a:rPr lang="en-US" u="sng" dirty="0"/>
+              <a:t>VQSR: Threshold</a:t>
+            </a:r>
+          </a:p>
+          <a:p>
+            <a:r>
+              <a:rPr lang="en-US" dirty="0" err="1"/>
+              <a:t>VariantRecalibrator</a:t>
+            </a:r>
+            <a:r>
+              <a:rPr lang="en-US" dirty="0"/>
+              <a:t> doesn't generate tranche plots for </a:t>
+            </a:r>
+            <a:r>
+              <a:rPr lang="en-US" dirty="0" err="1"/>
+              <a:t>indels</a:t>
+            </a:r>
             <a:endParaRPr lang="en-US" dirty="0"/>
+          </a:p>
+          <a:p>
+            <a:r>
+              <a:rPr lang="en-US" dirty="0"/>
+              <a:t>Best strategy is to plot mismatch rate against truth sensitivity for many tranches and identify the "elbow"</a:t>
+            </a:r>
+          </a:p>
+          <a:p>
+            <a:pPr lvl="1"/>
+            <a:r>
+              <a:rPr lang="en-US" dirty="0"/>
+              <a:t>Stratifying by genotype can help</a:t>
+            </a:r>
+          </a:p>
+        </p:txBody>
+      </p:sp>
+    </p:spTree>
+    <p:extLst>
+      <p:ext uri="{BB962C8B-B14F-4D97-AF65-F5344CB8AC3E}">
+        <p14:creationId xmlns:p14="http://schemas.microsoft.com/office/powerpoint/2010/main" val="1615356528"/>
+      </p:ext>
+    </p:extLst>
+  </p:cSld>
+  <p:clrMapOvr>
+    <a:masterClrMapping/>
+  </p:clrMapOvr>
+</p:sld>
+</file>
+
+<file path=ppt/slides/slide12.xml><?xml version="1.0" encoding="utf-8"?>
+<p:sld xmlns:a="http://schemas.openxmlformats.org/drawingml/2006/main" xmlns:r="http://schemas.openxmlformats.org/officeDocument/2006/relationships" xmlns:p="http://schemas.openxmlformats.org/presentationml/2006/main">
+  <p:cSld>
+    <p:spTree>
+      <p:nvGrpSpPr>
+        <p:cNvPr id="1" name=""/>
+        <p:cNvGrpSpPr/>
+        <p:nvPr/>
+      </p:nvGrpSpPr>
+      <p:grpSpPr>
+        <a:xfrm>
+          <a:off x="0" y="0"/>
+          <a:ext cx="0" cy="0"/>
+          <a:chOff x="0" y="0"/>
+          <a:chExt cx="0" cy="0"/>
+        </a:xfrm>
+      </p:grpSpPr>
+      <p:sp>
+        <p:nvSpPr>
+          <p:cNvPr id="2" name="Title 1"/>
+          <p:cNvSpPr>
+            <a:spLocks noGrp="1"/>
+          </p:cNvSpPr>
+          <p:nvPr>
+            <p:ph type="title"/>
+          </p:nvPr>
+        </p:nvSpPr>
+        <p:spPr/>
+        <p:txBody>
+          <a:bodyPr>
+            <a:normAutofit/>
+          </a:bodyPr>
+          <a:lstStyle/>
+          <a:p>
+            <a:pPr algn="ctr"/>
+            <a:r>
+              <a:rPr lang="en-US" dirty="0"/>
+              <a:t>INDEL CALLING</a:t>
+            </a:r>
           </a:p>
         </p:txBody>
       </p:sp>
@@ -4034,18 +4722,10 @@
   <p:clrMapOvr>
     <a:masterClrMapping/>
   </p:clrMapOvr>
-  <mc:AlternateContent xmlns:mc="http://schemas.openxmlformats.org/markup-compatibility/2006" xmlns:p14="http://schemas.microsoft.com/office/powerpoint/2010/main">
-    <mc:Choice Requires="p14">
-      <p:transition spd="slow" p14:dur="2000"/>
-    </mc:Choice>
-    <mc:Fallback xmlns="">
-      <p:transition xmlns:p14="http://schemas.microsoft.com/office/powerpoint/2010/main" spd="slow"/>
-    </mc:Fallback>
-  </mc:AlternateContent>
 </p:sld>
 </file>
 
-<file path=ppt/slides/slide11.xml><?xml version="1.0" encoding="utf-8"?>
+<file path=ppt/slides/slide13.xml><?xml version="1.0" encoding="utf-8"?>
 <p:sld xmlns:a="http://schemas.openxmlformats.org/drawingml/2006/main" xmlns:r="http://schemas.openxmlformats.org/officeDocument/2006/relationships" xmlns:p="http://schemas.openxmlformats.org/presentationml/2006/main">
   <p:cSld>
     <p:spTree>
@@ -4081,10 +4761,9 @@
           <a:p>
             <a:pPr algn="ctr"/>
             <a:r>
-              <a:rPr lang="en-US" dirty="0" smtClean="0"/>
+              <a:rPr lang="en-US" dirty="0"/>
               <a:t>INDEL CALLING</a:t>
             </a:r>
-            <a:endParaRPr lang="en-US" dirty="0"/>
           </a:p>
         </p:txBody>
       </p:sp>
@@ -4114,54 +4793,85 @@
               <a:buNone/>
             </a:pPr>
             <a:r>
-              <a:rPr lang="en-US" u="sng" dirty="0" smtClean="0"/>
+              <a:rPr lang="en-US" u="sng" dirty="0"/>
               <a:t>Exercise: Hard Filtering </a:t>
             </a:r>
             <a:r>
-              <a:rPr lang="mr-IN" u="sng" dirty="0" smtClean="0"/>
+              <a:rPr lang="mr-IN" u="sng" dirty="0"/>
               <a:t>–</a:t>
             </a:r>
             <a:r>
-              <a:rPr lang="en-US" u="sng" dirty="0" smtClean="0"/>
+              <a:rPr lang="en-US" u="sng" dirty="0"/>
               <a:t> Extract </a:t>
             </a:r>
             <a:r>
-              <a:rPr lang="en-US" u="sng" dirty="0" err="1" smtClean="0"/>
+              <a:rPr lang="en-US" u="sng" dirty="0" err="1"/>
               <a:t>Indels</a:t>
             </a:r>
-            <a:endParaRPr lang="en-US" u="sng" dirty="0" smtClean="0"/>
+            <a:endParaRPr lang="en-US" u="sng" dirty="0"/>
           </a:p>
           <a:p>
             <a:pPr marL="0" indent="0">
               <a:buNone/>
             </a:pPr>
             <a:r>
-              <a:rPr lang="en-US" sz="2000" dirty="0" smtClean="0">
+              <a:rPr lang="en-US" sz="2000" dirty="0">
+                <a:latin typeface="Courier"/>
+                <a:cs typeface="Courier"/>
+              </a:rPr>
+              <a:t>$ export OUTPUT=/home/&lt;username&gt;/Desktop/output</a:t>
+            </a:r>
+          </a:p>
+          <a:p>
+            <a:pPr marL="0" indent="0">
+              <a:buNone/>
+            </a:pPr>
+            <a:r>
+              <a:rPr lang="en-US" sz="2000" dirty="0">
                 <a:latin typeface="Courier"/>
                 <a:cs typeface="Courier"/>
               </a:rPr>
               <a:t>$ </a:t>
             </a:r>
             <a:r>
+              <a:rPr lang="en-US" sz="2000" dirty="0" err="1">
+                <a:latin typeface="Courier"/>
+                <a:cs typeface="Courier"/>
+              </a:rPr>
+              <a:t>GenomeAnalysisTK.jar</a:t>
+            </a:r>
+            <a:r>
               <a:rPr lang="en-US" sz="2000" dirty="0">
                 <a:latin typeface="Courier"/>
                 <a:cs typeface="Courier"/>
               </a:rPr>
-              <a:t>java -jar </a:t>
+              <a:t> \</a:t>
+            </a:r>
+          </a:p>
+          <a:p>
+            <a:pPr marL="0" indent="0">
+              <a:buNone/>
+            </a:pPr>
+            <a:r>
+              <a:rPr lang="en-US" sz="2000" dirty="0">
+                <a:latin typeface="Courier"/>
+                <a:cs typeface="Courier"/>
+              </a:rPr>
+              <a:t>    -T </a:t>
             </a:r>
             <a:r>
               <a:rPr lang="en-US" sz="2000" dirty="0" err="1">
                 <a:latin typeface="Courier"/>
                 <a:cs typeface="Courier"/>
               </a:rPr>
-              <a:t>GenomeAnalysisTK.jar</a:t>
+              <a:t>SelectVariants</a:t>
             </a:r>
             <a:r>
               <a:rPr lang="en-US" sz="2000" dirty="0">
                 <a:latin typeface="Courier"/>
                 <a:cs typeface="Courier"/>
               </a:rPr>
-              <a:t> \ </a:t>
+              <a:t> \</a:t>
             </a:r>
           </a:p>
           <a:p>
@@ -4173,173 +4883,64 @@
                 <a:latin typeface="Courier"/>
                 <a:cs typeface="Courier"/>
               </a:rPr>
-              <a:t>    -T </a:t>
+              <a:t>    -R resources/human_g1k_b37_20.fasta \</a:t>
+            </a:r>
+          </a:p>
+          <a:p>
+            <a:pPr marL="0" indent="0">
+              <a:buNone/>
+            </a:pPr>
+            <a:r>
+              <a:rPr lang="en-US" sz="2000" dirty="0">
+                <a:latin typeface="Courier"/>
+                <a:cs typeface="Courier"/>
+              </a:rPr>
+              <a:t>    -V output/NA12878_wgs_20_HC_calls.vcf \</a:t>
+            </a:r>
+          </a:p>
+          <a:p>
+            <a:pPr marL="0" indent="0">
+              <a:buNone/>
+            </a:pPr>
+            <a:r>
+              <a:rPr lang="en-US" sz="2000" dirty="0">
+                <a:latin typeface="Courier"/>
+                <a:cs typeface="Courier"/>
+              </a:rPr>
+              <a:t>    -</a:t>
             </a:r>
             <a:r>
               <a:rPr lang="en-US" sz="2000" dirty="0" err="1">
                 <a:latin typeface="Courier"/>
                 <a:cs typeface="Courier"/>
               </a:rPr>
-              <a:t>SelectVariants</a:t>
+              <a:t>selectType</a:t>
             </a:r>
             <a:r>
               <a:rPr lang="en-US" sz="2000" dirty="0">
                 <a:latin typeface="Courier"/>
                 <a:cs typeface="Courier"/>
               </a:rPr>
-              <a:t> </a:t>
-            </a:r>
-            <a:r>
-              <a:rPr lang="en-US" sz="2000" dirty="0" smtClean="0">
-                <a:latin typeface="Courier"/>
-                <a:cs typeface="Courier"/>
-              </a:rPr>
-              <a:t>\</a:t>
-            </a:r>
+              <a:t> INDEL \</a:t>
+            </a:r>
+          </a:p>
+          <a:p>
+            <a:pPr marL="0" indent="0">
+              <a:buNone/>
+            </a:pPr>
+            <a:r>
+              <a:rPr lang="en-US" sz="2000" dirty="0">
+                <a:latin typeface="Courier"/>
+                <a:cs typeface="Courier"/>
+              </a:rPr>
+              <a:t>    -o $OUTPUT/NA12878_wgs_20_HC_indels.vcf</a:t>
+            </a:r>
+          </a:p>
+          <a:p>
+            <a:pPr marL="0" indent="0">
+              <a:buNone/>
+            </a:pPr>
             <a:endParaRPr lang="en-US" sz="2000" dirty="0">
-              <a:latin typeface="Courier"/>
-              <a:cs typeface="Courier"/>
-            </a:endParaRPr>
-          </a:p>
-          <a:p>
-            <a:pPr marL="0" indent="0">
-              <a:buNone/>
-            </a:pPr>
-            <a:r>
-              <a:rPr lang="en-US" sz="2000" dirty="0">
-                <a:latin typeface="Courier"/>
-                <a:cs typeface="Courier"/>
-              </a:rPr>
-              <a:t>    -R </a:t>
-            </a:r>
-            <a:r>
-              <a:rPr lang="en-US" sz="2000" dirty="0" smtClean="0">
-                <a:latin typeface="Courier"/>
-                <a:cs typeface="Courier"/>
-              </a:rPr>
-              <a:t>resources/</a:t>
-            </a:r>
-            <a:r>
-              <a:rPr lang="en-US" sz="2000" dirty="0">
-                <a:latin typeface="Courier"/>
-                <a:cs typeface="Courier"/>
-              </a:rPr>
-              <a:t>human_g1k_b37_20.fasta </a:t>
-            </a:r>
-            <a:r>
-              <a:rPr lang="en-US" sz="2000" dirty="0" smtClean="0">
-                <a:latin typeface="Courier"/>
-                <a:cs typeface="Courier"/>
-              </a:rPr>
-              <a:t>\</a:t>
-            </a:r>
-            <a:endParaRPr lang="en-US" sz="2000" dirty="0">
-              <a:latin typeface="Courier"/>
-              <a:cs typeface="Courier"/>
-            </a:endParaRPr>
-          </a:p>
-          <a:p>
-            <a:pPr marL="0" indent="0">
-              <a:buNone/>
-            </a:pPr>
-            <a:r>
-              <a:rPr lang="en-US" sz="2000" dirty="0">
-                <a:latin typeface="Courier"/>
-                <a:cs typeface="Courier"/>
-              </a:rPr>
-              <a:t>    -V output/NA12878_wgs_20_HC_calls.vcf </a:t>
-            </a:r>
-            <a:r>
-              <a:rPr lang="en-US" sz="2000" dirty="0" smtClean="0">
-                <a:latin typeface="Courier"/>
-                <a:cs typeface="Courier"/>
-              </a:rPr>
-              <a:t>\</a:t>
-            </a:r>
-            <a:endParaRPr lang="en-US" sz="2000" dirty="0">
-              <a:latin typeface="Courier"/>
-              <a:cs typeface="Courier"/>
-            </a:endParaRPr>
-          </a:p>
-          <a:p>
-            <a:pPr marL="0" indent="0">
-              <a:buNone/>
-            </a:pPr>
-            <a:r>
-              <a:rPr lang="en-US" sz="2000" dirty="0" smtClean="0">
-                <a:latin typeface="Courier"/>
-                <a:cs typeface="Courier"/>
-              </a:rPr>
-              <a:t>    </a:t>
-            </a:r>
-            <a:r>
-              <a:rPr lang="en-US" sz="2000" dirty="0">
-                <a:latin typeface="Courier"/>
-                <a:cs typeface="Courier"/>
-              </a:rPr>
-              <a:t>-</a:t>
-            </a:r>
-            <a:r>
-              <a:rPr lang="en-US" sz="2000" dirty="0" err="1">
-                <a:latin typeface="Courier"/>
-                <a:cs typeface="Courier"/>
-              </a:rPr>
-              <a:t>selectType</a:t>
-            </a:r>
-            <a:r>
-              <a:rPr lang="en-US" sz="2000" dirty="0">
-                <a:latin typeface="Courier"/>
-                <a:cs typeface="Courier"/>
-              </a:rPr>
-              <a:t> </a:t>
-            </a:r>
-            <a:r>
-              <a:rPr lang="en-US" sz="2000" dirty="0" smtClean="0">
-                <a:latin typeface="Courier"/>
-                <a:cs typeface="Courier"/>
-              </a:rPr>
-              <a:t>INDEL </a:t>
-            </a:r>
-            <a:r>
-              <a:rPr lang="en-US" sz="2000" dirty="0" smtClean="0">
-                <a:latin typeface="Courier"/>
-                <a:cs typeface="Courier"/>
-              </a:rPr>
-              <a:t>\</a:t>
-            </a:r>
-            <a:endParaRPr lang="en-US" sz="2000" dirty="0">
-              <a:latin typeface="Courier"/>
-              <a:cs typeface="Courier"/>
-            </a:endParaRPr>
-          </a:p>
-          <a:p>
-            <a:pPr marL="0" indent="0">
-              <a:buNone/>
-            </a:pPr>
-            <a:r>
-              <a:rPr lang="en-US" sz="2000" dirty="0">
-                <a:latin typeface="Courier"/>
-                <a:cs typeface="Courier"/>
-              </a:rPr>
-              <a:t>    -o output/</a:t>
-            </a:r>
-            <a:r>
-              <a:rPr lang="en-US" sz="2000" dirty="0" smtClean="0">
-                <a:latin typeface="Courier"/>
-                <a:cs typeface="Courier"/>
-              </a:rPr>
-              <a:t>NA12878_wgs_20_HC_indels.vcf</a:t>
-            </a:r>
-            <a:endParaRPr lang="en-US" sz="2000" dirty="0">
-              <a:latin typeface="Courier"/>
-              <a:cs typeface="Courier"/>
-            </a:endParaRPr>
-          </a:p>
-          <a:p>
-            <a:pPr marL="0" indent="0">
-              <a:buNone/>
-            </a:pPr>
-            <a:endParaRPr lang="en-US" sz="2000" dirty="0" smtClean="0">
               <a:latin typeface="Courier"/>
               <a:cs typeface="Courier"/>
             </a:endParaRPr>
@@ -4356,18 +4957,10 @@
   <p:clrMapOvr>
     <a:masterClrMapping/>
   </p:clrMapOvr>
-  <mc:AlternateContent xmlns:mc="http://schemas.openxmlformats.org/markup-compatibility/2006" xmlns:p14="http://schemas.microsoft.com/office/powerpoint/2010/main">
-    <mc:Choice Requires="p14">
-      <p:transition spd="slow" p14:dur="2000"/>
-    </mc:Choice>
-    <mc:Fallback xmlns="">
-      <p:transition xmlns:p14="http://schemas.microsoft.com/office/powerpoint/2010/main" spd="slow"/>
-    </mc:Fallback>
-  </mc:AlternateContent>
 </p:sld>
 </file>
 
-<file path=ppt/slides/slide12.xml><?xml version="1.0" encoding="utf-8"?>
+<file path=ppt/slides/slide14.xml><?xml version="1.0" encoding="utf-8"?>
 <p:sld xmlns:a="http://schemas.openxmlformats.org/drawingml/2006/main" xmlns:r="http://schemas.openxmlformats.org/officeDocument/2006/relationships" xmlns:p="http://schemas.openxmlformats.org/presentationml/2006/main">
   <p:cSld>
     <p:spTree>
@@ -4403,10 +4996,9 @@
           <a:p>
             <a:pPr algn="ctr"/>
             <a:r>
-              <a:rPr lang="en-US" dirty="0" smtClean="0"/>
+              <a:rPr lang="en-US" dirty="0"/>
               <a:t>INDEL CALLING</a:t>
             </a:r>
-            <a:endParaRPr lang="en-US" dirty="0"/>
           </a:p>
         </p:txBody>
       </p:sp>
@@ -4422,8 +5014,8 @@
         </p:nvSpPr>
         <p:spPr>
           <a:xfrm>
-            <a:off x="152400" y="1574800"/>
-            <a:ext cx="8864600" cy="5156200"/>
+            <a:off x="0" y="1600438"/>
+            <a:ext cx="9144000" cy="5156200"/>
           </a:xfrm>
         </p:spPr>
         <p:txBody>
@@ -4436,14 +5028,14 @@
               <a:buNone/>
             </a:pPr>
             <a:r>
-              <a:rPr lang="en-US" sz="2800" u="sng" dirty="0" smtClean="0"/>
+              <a:rPr lang="en-US" sz="2800" u="sng" dirty="0"/>
               <a:t>Exercise: Hard Filtering </a:t>
             </a:r>
             <a:r>
-              <a:rPr lang="en-US" sz="2800" u="sng" dirty="0" err="1" smtClean="0"/>
+              <a:rPr lang="en-US" sz="2800" u="sng" dirty="0" err="1"/>
               <a:t>Indels</a:t>
             </a:r>
-            <a:endParaRPr lang="en-US" sz="2800" u="sng" dirty="0" smtClean="0"/>
+            <a:endParaRPr lang="en-US" sz="2800" u="sng" dirty="0"/>
           </a:p>
           <a:p>
             <a:pPr marL="0" indent="0">
@@ -4454,7 +5046,7 @@
                 <a:latin typeface="Courier"/>
                 <a:cs typeface="Courier"/>
               </a:rPr>
-              <a:t>$ java -jar </a:t>
+              <a:t>$ </a:t>
             </a:r>
             <a:r>
               <a:rPr lang="en-US" sz="2400" dirty="0" err="1">
@@ -4468,7 +5060,7 @@
                 <a:latin typeface="Courier"/>
                 <a:cs typeface="Courier"/>
               </a:rPr>
-              <a:t> \ </a:t>
+              <a:t> \</a:t>
             </a:r>
           </a:p>
           <a:p>
@@ -4476,25 +5068,11 @@
               <a:buNone/>
             </a:pPr>
             <a:r>
-              <a:rPr lang="en-US" sz="2400" dirty="0" smtClean="0">
-                <a:latin typeface="Courier"/>
-                <a:cs typeface="Courier"/>
-              </a:rPr>
-              <a:t>  </a:t>
-            </a:r>
-            <a:r>
-              <a:rPr lang="en-US" sz="2400" dirty="0" smtClean="0">
-                <a:latin typeface="Courier"/>
-                <a:cs typeface="Courier"/>
-              </a:rPr>
-              <a:t>-</a:t>
-            </a:r>
-            <a:r>
               <a:rPr lang="en-US" sz="2400" dirty="0">
                 <a:latin typeface="Courier"/>
                 <a:cs typeface="Courier"/>
               </a:rPr>
-              <a:t>T </a:t>
+              <a:t>  -T </a:t>
             </a:r>
             <a:r>
               <a:rPr lang="en-US" sz="2400" dirty="0" err="1">
@@ -4508,152 +5086,115 @@
                 <a:latin typeface="Courier"/>
                 <a:cs typeface="Courier"/>
               </a:rPr>
-              <a:t> </a:t>
-            </a:r>
-            <a:r>
-              <a:rPr lang="en-US" sz="2400" dirty="0" smtClean="0">
-                <a:latin typeface="Courier"/>
-                <a:cs typeface="Courier"/>
-              </a:rPr>
-              <a:t>\</a:t>
-            </a:r>
-            <a:endParaRPr lang="en-US" sz="2400" dirty="0">
-              <a:latin typeface="Courier"/>
-              <a:cs typeface="Courier"/>
-            </a:endParaRPr>
+              <a:t> \</a:t>
+            </a:r>
           </a:p>
           <a:p>
             <a:pPr marL="0" indent="0">
               <a:buNone/>
             </a:pPr>
             <a:r>
-              <a:rPr lang="en-US" sz="2400" dirty="0" smtClean="0">
-                <a:latin typeface="Courier"/>
-                <a:cs typeface="Courier"/>
-              </a:rPr>
-              <a:t>  </a:t>
-            </a:r>
-            <a:r>
-              <a:rPr lang="en-US" sz="2400" dirty="0" smtClean="0">
-                <a:latin typeface="Courier"/>
-                <a:cs typeface="Courier"/>
-              </a:rPr>
-              <a:t>-</a:t>
-            </a:r>
-            <a:r>
               <a:rPr lang="en-US" sz="2400" dirty="0">
                 <a:latin typeface="Courier"/>
                 <a:cs typeface="Courier"/>
               </a:rPr>
-              <a:t>R </a:t>
-            </a:r>
-            <a:r>
-              <a:rPr lang="en-US" sz="2400" dirty="0" smtClean="0">
-                <a:latin typeface="Courier"/>
-                <a:cs typeface="Courier"/>
-              </a:rPr>
-              <a:t>resources/</a:t>
-            </a:r>
+              <a:t>  -R resources/human_g1k_b37_20.fasta \</a:t>
+            </a:r>
+          </a:p>
+          <a:p>
+            <a:pPr marL="0" indent="0">
+              <a:buNone/>
+            </a:pPr>
             <a:r>
               <a:rPr lang="en-US" sz="2400" dirty="0">
                 <a:latin typeface="Courier"/>
                 <a:cs typeface="Courier"/>
               </a:rPr>
-              <a:t>human_g1k_b37_20.</a:t>
-            </a:r>
-            <a:r>
-              <a:rPr lang="en-US" sz="2400" dirty="0" smtClean="0">
-                <a:latin typeface="Courier"/>
-                <a:cs typeface="Courier"/>
-              </a:rPr>
-              <a:t>fasta </a:t>
-            </a:r>
-            <a:r>
-              <a:rPr lang="en-US" sz="2400" dirty="0" smtClean="0">
-                <a:latin typeface="Courier"/>
-                <a:cs typeface="Courier"/>
-              </a:rPr>
-              <a:t>\</a:t>
-            </a:r>
-            <a:endParaRPr lang="en-US" sz="2400" dirty="0">
-              <a:latin typeface="Courier"/>
-              <a:cs typeface="Courier"/>
-            </a:endParaRPr>
+              <a:t>  -</a:t>
+            </a:r>
+            <a:r>
+              <a:rPr lang="en-US" sz="2400">
+                <a:latin typeface="Courier"/>
+                <a:cs typeface="Courier"/>
+              </a:rPr>
+              <a:t>V $OUTPUT/</a:t>
+            </a:r>
+            <a:r>
+              <a:rPr lang="en-US" sz="2400" dirty="0">
+                <a:latin typeface="Courier"/>
+                <a:cs typeface="Courier"/>
+              </a:rPr>
+              <a:t>NA12878_wgs_20_HC_indels.vcf \</a:t>
+            </a:r>
           </a:p>
           <a:p>
             <a:pPr marL="0" indent="0">
               <a:buNone/>
             </a:pPr>
             <a:r>
-              <a:rPr lang="en-US" sz="2400" dirty="0" smtClean="0">
-                <a:latin typeface="Courier"/>
-                <a:cs typeface="Courier"/>
-              </a:rPr>
-              <a:t>  </a:t>
-            </a:r>
-            <a:r>
-              <a:rPr lang="en-US" sz="2400" dirty="0" smtClean="0">
-                <a:latin typeface="Courier"/>
-                <a:cs typeface="Courier"/>
-              </a:rPr>
-              <a:t>-</a:t>
-            </a:r>
-            <a:r>
               <a:rPr lang="en-US" sz="2400" dirty="0">
                 <a:latin typeface="Courier"/>
                 <a:cs typeface="Courier"/>
               </a:rPr>
-              <a:t>V output/</a:t>
-            </a:r>
-            <a:r>
-              <a:rPr lang="en-US" sz="2400" dirty="0" smtClean="0">
-                <a:latin typeface="Courier"/>
-                <a:cs typeface="Courier"/>
-              </a:rPr>
-              <a:t>NA12878_wgs_20_HC_indels.vcf </a:t>
-            </a:r>
-            <a:r>
-              <a:rPr lang="en-US" sz="2400" dirty="0" smtClean="0">
-                <a:latin typeface="Courier"/>
-                <a:cs typeface="Courier"/>
-              </a:rPr>
-              <a:t>\</a:t>
-            </a:r>
-            <a:endParaRPr lang="en-US" sz="2400" dirty="0">
-              <a:latin typeface="Courier"/>
-              <a:cs typeface="Courier"/>
-            </a:endParaRPr>
+              <a:t>  --</a:t>
+            </a:r>
+            <a:r>
+              <a:rPr lang="en-US" sz="2400" dirty="0" err="1">
+                <a:latin typeface="Courier"/>
+                <a:cs typeface="Courier"/>
+              </a:rPr>
+              <a:t>filterExpression</a:t>
+            </a:r>
+            <a:r>
+              <a:rPr lang="en-US" sz="2400" dirty="0">
+                <a:latin typeface="Courier"/>
+                <a:cs typeface="Courier"/>
+              </a:rPr>
+              <a:t> "QD &lt; 2.0 || FS &gt; 200.0" \</a:t>
+            </a:r>
           </a:p>
           <a:p>
             <a:pPr marL="0" indent="0">
               <a:buNone/>
             </a:pPr>
             <a:r>
-              <a:rPr lang="en-US" sz="2400" dirty="0" smtClean="0">
-                <a:latin typeface="Courier"/>
-                <a:cs typeface="Courier"/>
-              </a:rPr>
-              <a:t>  </a:t>
-            </a:r>
-            <a:r>
-              <a:rPr lang="en-US" sz="2400" dirty="0" smtClean="0">
-                <a:latin typeface="Courier"/>
-                <a:cs typeface="Courier"/>
-              </a:rPr>
-              <a:t>-</a:t>
-            </a:r>
-            <a:r>
               <a:rPr lang="en-US" sz="2400" dirty="0">
                 <a:latin typeface="Courier"/>
                 <a:cs typeface="Courier"/>
               </a:rPr>
-              <a:t>-</a:t>
+              <a:t>  --</a:t>
             </a:r>
             <a:r>
               <a:rPr lang="en-US" sz="2400" dirty="0" err="1">
                 <a:latin typeface="Courier"/>
                 <a:cs typeface="Courier"/>
               </a:rPr>
+              <a:t>filterName</a:t>
+            </a:r>
+            <a:r>
+              <a:rPr lang="en-US" sz="2400" dirty="0">
+                <a:latin typeface="Courier"/>
+                <a:cs typeface="Courier"/>
+              </a:rPr>
+              <a:t> "HARD_FILTER1" \</a:t>
+            </a:r>
+          </a:p>
+          <a:p>
+            <a:pPr marL="0" indent="0">
+              <a:buNone/>
+            </a:pPr>
+            <a:r>
+              <a:rPr lang="en-US" sz="2400" dirty="0">
+                <a:latin typeface="Courier"/>
+                <a:cs typeface="Courier"/>
+              </a:rPr>
+              <a:t>  --</a:t>
+            </a:r>
+            <a:r>
+              <a:rPr lang="en-US" sz="2400" dirty="0" err="1">
+                <a:latin typeface="Courier"/>
+                <a:cs typeface="Courier"/>
+              </a:rPr>
               <a:t>filterExpression</a:t>
             </a:r>
             <a:r>
@@ -4661,42 +5202,47 @@
                 <a:latin typeface="Courier"/>
                 <a:cs typeface="Courier"/>
               </a:rPr>
-              <a:t> </a:t>
-            </a:r>
-            <a:r>
-              <a:rPr lang="en-US" sz="2400" dirty="0" smtClean="0">
-                <a:latin typeface="Courier"/>
-                <a:cs typeface="Courier"/>
-              </a:rPr>
-              <a:t>"</a:t>
+              <a:t> "</a:t>
+            </a:r>
+            <a:r>
+              <a:rPr lang="en-US" sz="2400" dirty="0" err="1">
+                <a:latin typeface="Courier"/>
+                <a:cs typeface="Courier"/>
+              </a:rPr>
+              <a:t>ReadPosRankSum</a:t>
             </a:r>
             <a:r>
               <a:rPr lang="en-US" sz="2400" dirty="0">
                 <a:latin typeface="Courier"/>
                 <a:cs typeface="Courier"/>
               </a:rPr>
-              <a:t>QD &lt; 2.0 || </a:t>
-            </a:r>
-            <a:r>
-              <a:rPr lang="en-US" sz="2400" dirty="0" smtClean="0">
-                <a:latin typeface="Courier"/>
-                <a:cs typeface="Courier"/>
-              </a:rPr>
-              <a:t>FS </a:t>
-            </a:r>
+              <a:t> &lt; -20.0" \</a:t>
+            </a:r>
+          </a:p>
+          <a:p>
+            <a:pPr marL="0" indent="0">
+              <a:buNone/>
+            </a:pPr>
             <a:r>
               <a:rPr lang="en-US" sz="2400" dirty="0">
                 <a:latin typeface="Courier"/>
                 <a:cs typeface="Courier"/>
               </a:rPr>
-              <a:t>&gt; </a:t>
-            </a:r>
-            <a:r>
-              <a:rPr lang="en-US" sz="2400" dirty="0" smtClean="0">
-                <a:latin typeface="Courier"/>
-                <a:cs typeface="Courier"/>
-              </a:rPr>
-              <a:t>200.0" \</a:t>
+              <a:t>  --</a:t>
+            </a:r>
+            <a:r>
+              <a:rPr lang="en-US" sz="2400" dirty="0" err="1">
+                <a:latin typeface="Courier"/>
+                <a:cs typeface="Courier"/>
+              </a:rPr>
+              <a:t>filterName</a:t>
+            </a:r>
+            <a:r>
+              <a:rPr lang="en-US" sz="2400" dirty="0">
+                <a:latin typeface="Courier"/>
+                <a:cs typeface="Courier"/>
+              </a:rPr>
+              <a:t> "HARD_FILTER2" \</a:t>
             </a:r>
           </a:p>
           <a:p>
@@ -4708,215 +5254,7 @@
                 <a:latin typeface="Courier"/>
                 <a:cs typeface="Courier"/>
               </a:rPr>
-              <a:t> </a:t>
-            </a:r>
-            <a:r>
-              <a:rPr lang="en-US" sz="2400" dirty="0" smtClean="0">
-                <a:latin typeface="Courier"/>
-                <a:cs typeface="Courier"/>
-              </a:rPr>
-              <a:t> --</a:t>
-            </a:r>
-            <a:r>
-              <a:rPr lang="en-US" sz="2400" dirty="0" err="1" smtClean="0">
-                <a:latin typeface="Courier"/>
-                <a:cs typeface="Courier"/>
-              </a:rPr>
-              <a:t>filterName</a:t>
-            </a:r>
-            <a:r>
-              <a:rPr lang="en-US" sz="2400" dirty="0" smtClean="0">
-                <a:latin typeface="Courier"/>
-                <a:cs typeface="Courier"/>
-              </a:rPr>
-              <a:t> </a:t>
-            </a:r>
-            <a:r>
-              <a:rPr lang="en-US" sz="2400" dirty="0">
-                <a:latin typeface="Courier"/>
-                <a:cs typeface="Courier"/>
-              </a:rPr>
-              <a:t>"</a:t>
-            </a:r>
-            <a:r>
-              <a:rPr lang="en-US" sz="2400" dirty="0" smtClean="0">
-                <a:latin typeface="Courier"/>
-                <a:cs typeface="Courier"/>
-              </a:rPr>
-              <a:t>HARD_FILTER1" \</a:t>
-            </a:r>
-          </a:p>
-          <a:p>
-            <a:pPr marL="0" indent="0">
-              <a:buNone/>
-            </a:pPr>
-            <a:r>
-              <a:rPr lang="en-US" sz="2400" dirty="0">
-                <a:latin typeface="Courier"/>
-                <a:cs typeface="Courier"/>
-              </a:rPr>
-              <a:t> </a:t>
-            </a:r>
-            <a:r>
-              <a:rPr lang="en-US" sz="2400" dirty="0" smtClean="0">
-                <a:latin typeface="Courier"/>
-                <a:cs typeface="Courier"/>
-              </a:rPr>
-              <a:t> --</a:t>
-            </a:r>
-            <a:r>
-              <a:rPr lang="en-US" sz="2400" dirty="0" err="1" smtClean="0">
-                <a:latin typeface="Courier"/>
-                <a:cs typeface="Courier"/>
-              </a:rPr>
-              <a:t>filterExpression</a:t>
-            </a:r>
-            <a:r>
-              <a:rPr lang="en-US" sz="2400" dirty="0" smtClean="0">
-                <a:latin typeface="Courier"/>
-                <a:cs typeface="Courier"/>
-              </a:rPr>
-              <a:t> "</a:t>
-            </a:r>
-            <a:r>
-              <a:rPr lang="en-US" sz="2400" dirty="0" err="1" smtClean="0">
-                <a:latin typeface="Courier"/>
-                <a:cs typeface="Courier"/>
-              </a:rPr>
-              <a:t>ReadPosRankSum</a:t>
-            </a:r>
-            <a:r>
-              <a:rPr lang="en-US" sz="2400" dirty="0" smtClean="0">
-                <a:latin typeface="Courier"/>
-                <a:cs typeface="Courier"/>
-              </a:rPr>
-              <a:t> </a:t>
-            </a:r>
-            <a:r>
-              <a:rPr lang="en-US" sz="2400" dirty="0">
-                <a:latin typeface="Courier"/>
-                <a:cs typeface="Courier"/>
-              </a:rPr>
-              <a:t>&lt; -20.0" </a:t>
-            </a:r>
-            <a:r>
-              <a:rPr lang="en-US" sz="2400" dirty="0" smtClean="0">
-                <a:latin typeface="Courier"/>
-                <a:cs typeface="Courier"/>
-              </a:rPr>
-              <a:t>\</a:t>
-            </a:r>
-            <a:endParaRPr lang="en-US" sz="2400" dirty="0">
-              <a:latin typeface="Courier"/>
-              <a:cs typeface="Courier"/>
-            </a:endParaRPr>
-          </a:p>
-          <a:p>
-            <a:pPr marL="0" indent="0">
-              <a:buNone/>
-            </a:pPr>
-            <a:r>
-              <a:rPr lang="en-US" sz="2400" dirty="0" smtClean="0">
-                <a:latin typeface="Courier"/>
-                <a:cs typeface="Courier"/>
-              </a:rPr>
-              <a:t>  </a:t>
-            </a:r>
-            <a:r>
-              <a:rPr lang="en-US" sz="2400" dirty="0" smtClean="0">
-                <a:latin typeface="Courier"/>
-                <a:cs typeface="Courier"/>
-              </a:rPr>
-              <a:t>-</a:t>
-            </a:r>
-            <a:r>
-              <a:rPr lang="en-US" sz="2400" dirty="0">
-                <a:latin typeface="Courier"/>
-                <a:cs typeface="Courier"/>
-              </a:rPr>
-              <a:t>-</a:t>
-            </a:r>
-            <a:r>
-              <a:rPr lang="en-US" sz="2400" dirty="0" err="1">
-                <a:latin typeface="Courier"/>
-                <a:cs typeface="Courier"/>
-              </a:rPr>
-              <a:t>filterName</a:t>
-            </a:r>
-            <a:r>
-              <a:rPr lang="en-US" sz="2400" dirty="0">
-                <a:latin typeface="Courier"/>
-                <a:cs typeface="Courier"/>
-              </a:rPr>
-              <a:t> </a:t>
-            </a:r>
-            <a:r>
-              <a:rPr lang="en-US" sz="2400" dirty="0" smtClean="0">
-                <a:latin typeface="Courier"/>
-                <a:cs typeface="Courier"/>
-              </a:rPr>
-              <a:t>"</a:t>
-            </a:r>
-            <a:r>
-              <a:rPr lang="en-US" sz="2400" dirty="0" smtClean="0">
-                <a:latin typeface="Courier"/>
-                <a:cs typeface="Courier"/>
-              </a:rPr>
-              <a:t>HARD_FILTER2" \</a:t>
-            </a:r>
-          </a:p>
-          <a:p>
-            <a:pPr marL="0" indent="0">
-              <a:buNone/>
-            </a:pPr>
-            <a:r>
-              <a:rPr lang="en-US" sz="2400" dirty="0">
-                <a:latin typeface="Courier"/>
-                <a:cs typeface="Courier"/>
-              </a:rPr>
-              <a:t> </a:t>
-            </a:r>
-            <a:r>
-              <a:rPr lang="en-US" sz="2400" dirty="0" smtClean="0">
-                <a:latin typeface="Courier"/>
-                <a:cs typeface="Courier"/>
-              </a:rPr>
-              <a:t> </a:t>
-            </a:r>
-            <a:r>
-              <a:rPr lang="en-US" sz="2400" dirty="0" smtClean="0">
-                <a:latin typeface="Courier"/>
-                <a:cs typeface="Courier"/>
-              </a:rPr>
-              <a:t>-</a:t>
-            </a:r>
-            <a:r>
-              <a:rPr lang="en-US" sz="2400" dirty="0">
-                <a:latin typeface="Courier"/>
-                <a:cs typeface="Courier"/>
-              </a:rPr>
-              <a:t>o </a:t>
-            </a:r>
-            <a:r>
-              <a:rPr lang="en-US" sz="2400" dirty="0" smtClean="0">
-                <a:latin typeface="Courier"/>
-                <a:cs typeface="Courier"/>
-              </a:rPr>
-              <a:t>output</a:t>
-            </a:r>
-            <a:r>
-              <a:rPr lang="en-US" sz="2400" dirty="0">
-                <a:latin typeface="Courier"/>
-                <a:cs typeface="Courier"/>
-              </a:rPr>
-              <a:t>/</a:t>
-            </a:r>
-            <a:r>
-              <a:rPr lang="en-US" sz="2400" dirty="0" smtClean="0">
-                <a:latin typeface="Courier"/>
-                <a:cs typeface="Courier"/>
-              </a:rPr>
-              <a:t>NA12878_wgs_20_HC_indels_filter.vcf </a:t>
+              <a:t>  -o $OUTPUT/NA12878_wgs_20_HC_indels_filter.vcf  </a:t>
             </a:r>
           </a:p>
         </p:txBody>
@@ -4931,14 +5269,6 @@
   <p:clrMapOvr>
     <a:masterClrMapping/>
   </p:clrMapOvr>
-  <mc:AlternateContent xmlns:mc="http://schemas.openxmlformats.org/markup-compatibility/2006" xmlns:p14="http://schemas.microsoft.com/office/powerpoint/2010/main">
-    <mc:Choice Requires="p14">
-      <p:transition spd="slow" p14:dur="2000"/>
-    </mc:Choice>
-    <mc:Fallback xmlns="">
-      <p:transition xmlns:p14="http://schemas.microsoft.com/office/powerpoint/2010/main" spd="slow"/>
-    </mc:Fallback>
-  </mc:AlternateContent>
 </p:sld>
 </file>
 
@@ -4978,10 +5308,9 @@
           <a:p>
             <a:pPr algn="ctr"/>
             <a:r>
-              <a:rPr lang="en-US" dirty="0" smtClean="0"/>
+              <a:rPr lang="en-US" dirty="0"/>
               <a:t>VARIANT CALLING</a:t>
             </a:r>
-            <a:endParaRPr lang="en-US" dirty="0"/>
           </a:p>
         </p:txBody>
       </p:sp>
@@ -5011,65 +5340,65 @@
               <a:buNone/>
             </a:pPr>
             <a:r>
-              <a:rPr lang="en-US" u="sng" dirty="0" smtClean="0"/>
+              <a:rPr lang="en-US" u="sng" dirty="0"/>
               <a:t>Types of Variants</a:t>
             </a:r>
           </a:p>
           <a:p>
             <a:r>
-              <a:rPr lang="en-US" dirty="0" smtClean="0"/>
+              <a:rPr lang="en-US" dirty="0"/>
               <a:t>SNP: Single Nucleotide Polymorphism</a:t>
             </a:r>
           </a:p>
           <a:p>
             <a:r>
-              <a:rPr lang="en-US" dirty="0" smtClean="0"/>
+              <a:rPr lang="en-US" dirty="0"/>
               <a:t>Small insertions and deletions (</a:t>
             </a:r>
             <a:r>
-              <a:rPr lang="en-US" dirty="0" err="1" smtClean="0"/>
+              <a:rPr lang="en-US" dirty="0" err="1"/>
               <a:t>indels</a:t>
             </a:r>
             <a:r>
-              <a:rPr lang="en-US" dirty="0" smtClean="0"/>
+              <a:rPr lang="en-US" dirty="0"/>
               <a:t>)</a:t>
             </a:r>
           </a:p>
           <a:p>
             <a:r>
-              <a:rPr lang="en-US" dirty="0" smtClean="0"/>
+              <a:rPr lang="en-US" dirty="0"/>
               <a:t>Large (&gt;100 bp) Structural Variants (SVs)</a:t>
             </a:r>
           </a:p>
           <a:p>
             <a:pPr lvl="1"/>
             <a:r>
-              <a:rPr lang="en-US" dirty="0" smtClean="0"/>
+              <a:rPr lang="en-US" dirty="0"/>
               <a:t>Copy-variable: Duplications, Deletions</a:t>
             </a:r>
           </a:p>
           <a:p>
             <a:pPr lvl="1"/>
             <a:r>
-              <a:rPr lang="en-US" dirty="0" smtClean="0"/>
+              <a:rPr lang="en-US" dirty="0"/>
               <a:t>Copy-neutral: Inversions, Translocations</a:t>
             </a:r>
           </a:p>
           <a:p>
             <a:pPr lvl="1"/>
             <a:r>
-              <a:rPr lang="en-US" dirty="0" smtClean="0"/>
+              <a:rPr lang="en-US" dirty="0"/>
               <a:t>Complex combinations of events</a:t>
             </a:r>
           </a:p>
           <a:p>
             <a:r>
-              <a:rPr lang="en-US" dirty="0" smtClean="0"/>
+              <a:rPr lang="en-US" dirty="0"/>
               <a:t>Germline versus somatic</a:t>
             </a:r>
           </a:p>
           <a:p>
-            <a:endParaRPr lang="en-US" dirty="0" smtClean="0"/>
+            <a:endParaRPr lang="en-US" dirty="0"/>
           </a:p>
         </p:txBody>
       </p:sp>
@@ -5083,14 +5412,6 @@
   <p:clrMapOvr>
     <a:masterClrMapping/>
   </p:clrMapOvr>
-  <mc:AlternateContent xmlns:mc="http://schemas.openxmlformats.org/markup-compatibility/2006" xmlns:p14="http://schemas.microsoft.com/office/powerpoint/2010/main">
-    <mc:Choice Requires="p14">
-      <p:transition spd="slow" p14:dur="2000"/>
-    </mc:Choice>
-    <mc:Fallback xmlns="">
-      <p:transition xmlns:p14="http://schemas.microsoft.com/office/powerpoint/2010/main" spd="slow"/>
-    </mc:Fallback>
-  </mc:AlternateContent>
 </p:sld>
 </file>
 
@@ -5130,10 +5451,9 @@
           <a:p>
             <a:pPr algn="ctr"/>
             <a:r>
-              <a:rPr lang="en-US" dirty="0" smtClean="0"/>
+              <a:rPr lang="en-US" dirty="0"/>
               <a:t>GOALS</a:t>
             </a:r>
-            <a:endParaRPr lang="en-US" dirty="0"/>
           </a:p>
         </p:txBody>
       </p:sp>
@@ -5160,36 +5480,36 @@
           <a:lstStyle/>
           <a:p>
             <a:r>
-              <a:rPr lang="en-US" dirty="0" smtClean="0"/>
+              <a:rPr lang="en-US" dirty="0"/>
               <a:t>Discuss importance of </a:t>
             </a:r>
             <a:r>
-              <a:rPr lang="en-US" dirty="0" err="1" smtClean="0"/>
+              <a:rPr lang="en-US" dirty="0" err="1"/>
               <a:t>indels</a:t>
             </a:r>
-            <a:endParaRPr lang="en-US" dirty="0" smtClean="0"/>
-          </a:p>
-          <a:p>
-            <a:r>
-              <a:rPr lang="en-US" dirty="0" smtClean="0"/>
+            <a:endParaRPr lang="en-US" dirty="0"/>
+          </a:p>
+          <a:p>
+            <a:r>
+              <a:rPr lang="en-US" dirty="0"/>
               <a:t>Learn how recalibration and filtering of </a:t>
             </a:r>
             <a:r>
-              <a:rPr lang="en-US" dirty="0" err="1" smtClean="0"/>
+              <a:rPr lang="en-US" dirty="0" err="1"/>
               <a:t>indels</a:t>
             </a:r>
             <a:r>
-              <a:rPr lang="en-US" dirty="0" smtClean="0"/>
+              <a:rPr lang="en-US" dirty="0"/>
               <a:t> differs from SNPs</a:t>
             </a:r>
           </a:p>
           <a:p>
             <a:r>
-              <a:rPr lang="en-US" dirty="0" smtClean="0"/>
+              <a:rPr lang="en-US" dirty="0"/>
               <a:t>Perform hard filtering on </a:t>
             </a:r>
             <a:r>
-              <a:rPr lang="en-US" dirty="0" err="1" smtClean="0"/>
+              <a:rPr lang="en-US" dirty="0" err="1"/>
               <a:t>indels</a:t>
             </a:r>
             <a:endParaRPr lang="en-US" dirty="0"/>
@@ -5206,14 +5526,6 @@
   <p:clrMapOvr>
     <a:masterClrMapping/>
   </p:clrMapOvr>
-  <mc:AlternateContent xmlns:mc="http://schemas.openxmlformats.org/markup-compatibility/2006" xmlns:p14="http://schemas.microsoft.com/office/powerpoint/2010/main">
-    <mc:Choice Requires="p14">
-      <p:transition spd="slow" p14:dur="2000"/>
-    </mc:Choice>
-    <mc:Fallback xmlns="">
-      <p:transition xmlns:p14="http://schemas.microsoft.com/office/powerpoint/2010/main" spd="slow"/>
-    </mc:Fallback>
-  </mc:AlternateContent>
 </p:sld>
 </file>
 
@@ -5253,10 +5565,9 @@
           <a:p>
             <a:pPr algn="ctr"/>
             <a:r>
-              <a:rPr lang="en-US" dirty="0" smtClean="0"/>
+              <a:rPr lang="en-US" dirty="0"/>
               <a:t>INDEL CALLING</a:t>
             </a:r>
-            <a:endParaRPr lang="en-US" dirty="0"/>
           </a:p>
         </p:txBody>
       </p:sp>
@@ -5286,62 +5597,50 @@
               <a:buNone/>
             </a:pPr>
             <a:r>
-              <a:rPr lang="en-US" u="sng" dirty="0" smtClean="0"/>
+              <a:rPr lang="en-US" u="sng" dirty="0"/>
               <a:t>Importance</a:t>
             </a:r>
           </a:p>
           <a:p>
             <a:r>
-              <a:rPr lang="en-US" dirty="0" smtClean="0"/>
+              <a:rPr lang="en-US" dirty="0"/>
               <a:t>Account for ~15% of variants</a:t>
             </a:r>
           </a:p>
           <a:p>
             <a:r>
-              <a:rPr lang="en-US" dirty="0" smtClean="0"/>
+              <a:rPr lang="en-US" dirty="0"/>
               <a:t>In terms of bp, are responsible for a larger share of differences between genomes than are SNPs</a:t>
             </a:r>
           </a:p>
           <a:p>
             <a:r>
-              <a:rPr lang="en-US" dirty="0" smtClean="0"/>
-              <a:t>Highly concentrated in ~4% of the genome,</a:t>
-            </a:r>
-            <a:r>
               <a:rPr lang="en-US" dirty="0"/>
-              <a:t> </a:t>
-            </a:r>
-            <a:r>
-              <a:rPr lang="en-US" dirty="0" smtClean="0"/>
-              <a:t>and tend to cluster</a:t>
-            </a:r>
-          </a:p>
-          <a:p>
-            <a:r>
-              <a:rPr lang="en-US" dirty="0" smtClean="0"/>
+              <a:t>Highly concentrated in ~4% of the genome, and tend to cluster</a:t>
+            </a:r>
+          </a:p>
+          <a:p>
+            <a:r>
+              <a:rPr lang="en-US" dirty="0"/>
               <a:t>Selected against in coding regions, but known to be responsible for some conditions (</a:t>
             </a:r>
             <a:r>
-              <a:rPr lang="en-US" i="1" dirty="0" smtClean="0"/>
+              <a:rPr lang="en-US" i="1" dirty="0"/>
               <a:t>e.g. </a:t>
             </a:r>
             <a:r>
-              <a:rPr lang="en-US" dirty="0" smtClean="0"/>
+              <a:rPr lang="en-US" dirty="0"/>
               <a:t>Cystic Fibrosis, Fragile X) and associated with cancer</a:t>
             </a:r>
           </a:p>
           <a:p>
             <a:r>
               <a:rPr lang="en-US" dirty="0"/>
-              <a:t>M</a:t>
-            </a:r>
-            <a:r>
-              <a:rPr lang="en-US" dirty="0" smtClean="0"/>
-              <a:t>ay be responsible for a significant portion of gene expression variation</a:t>
-            </a:r>
-          </a:p>
-          <a:p>
-            <a:endParaRPr lang="en-US" dirty="0" smtClean="0"/>
+              <a:t>May be responsible for a significant portion of gene expression variation</a:t>
+            </a:r>
+          </a:p>
+          <a:p>
+            <a:endParaRPr lang="en-US" dirty="0"/>
           </a:p>
         </p:txBody>
       </p:sp>
@@ -5355,14 +5654,6 @@
   <p:clrMapOvr>
     <a:masterClrMapping/>
   </p:clrMapOvr>
-  <mc:AlternateContent xmlns:mc="http://schemas.openxmlformats.org/markup-compatibility/2006" xmlns:p14="http://schemas.microsoft.com/office/powerpoint/2010/main">
-    <mc:Choice Requires="p14">
-      <p:transition spd="slow" p14:dur="2000"/>
-    </mc:Choice>
-    <mc:Fallback xmlns="">
-      <p:transition xmlns:p14="http://schemas.microsoft.com/office/powerpoint/2010/main" spd="slow"/>
-    </mc:Fallback>
-  </mc:AlternateContent>
 </p:sld>
 </file>
 
@@ -5402,10 +5693,9 @@
           <a:p>
             <a:pPr algn="ctr"/>
             <a:r>
-              <a:rPr lang="en-US" dirty="0" smtClean="0"/>
+              <a:rPr lang="en-US" dirty="0"/>
               <a:t>INDEL CALLING</a:t>
             </a:r>
-            <a:endParaRPr lang="en-US" dirty="0"/>
           </a:p>
         </p:txBody>
       </p:sp>
@@ -5435,20 +5725,19 @@
               <a:buNone/>
             </a:pPr>
             <a:r>
-              <a:rPr lang="en-US" u="sng" dirty="0" smtClean="0"/>
+              <a:rPr lang="en-US" u="sng" dirty="0"/>
               <a:t>Detection</a:t>
             </a:r>
-            <a:endParaRPr lang="en-US" u="sng" dirty="0"/>
-          </a:p>
-          <a:p>
-            <a:r>
-              <a:rPr lang="en-US" dirty="0" smtClean="0"/>
+          </a:p>
+          <a:p>
+            <a:r>
+              <a:rPr lang="en-US" dirty="0"/>
               <a:t>Insertions/deletions detected as a gain/loss relative to the reference</a:t>
             </a:r>
           </a:p>
           <a:p>
             <a:r>
-              <a:rPr lang="en-US" dirty="0" smtClean="0"/>
+              <a:rPr lang="en-US" dirty="0"/>
               <a:t>Can be homozygous or heterozygous</a:t>
             </a:r>
           </a:p>
@@ -5456,7 +5745,7 @@
             <a:pPr marL="0" indent="0" algn="ctr">
               <a:buNone/>
             </a:pPr>
-            <a:endParaRPr lang="en-US" sz="1800" dirty="0" smtClean="0">
+            <a:endParaRPr lang="en-US" sz="1800" dirty="0">
               <a:latin typeface="Courier"/>
               <a:cs typeface="Courier"/>
             </a:endParaRPr>
@@ -5466,21 +5755,21 @@
               <a:buNone/>
             </a:pPr>
             <a:r>
-              <a:rPr lang="en-US" sz="1800" dirty="0" smtClean="0">
+              <a:rPr lang="en-US" sz="1800" dirty="0">
                 <a:latin typeface="Courier"/>
                 <a:cs typeface="Courier"/>
               </a:rPr>
               <a:t>Reference:      ACC</a:t>
             </a:r>
             <a:r>
-              <a:rPr lang="en-US" sz="1800" b="1" dirty="0" smtClean="0">
+              <a:rPr lang="en-US" sz="1800" b="1" dirty="0">
                 <a:latin typeface="Courier"/>
                 <a:cs typeface="Courier"/>
               </a:rPr>
               <a:t>AT</a:t>
             </a:r>
             <a:r>
-              <a:rPr lang="en-US" sz="1800" dirty="0" smtClean="0">
+              <a:rPr lang="en-US" sz="1800" dirty="0">
                 <a:latin typeface="Courier"/>
                 <a:cs typeface="Courier"/>
               </a:rPr>
@@ -5492,14 +5781,14 @@
               <a:buNone/>
             </a:pPr>
             <a:r>
-              <a:rPr lang="en-US" sz="1800" dirty="0" smtClean="0">
+              <a:rPr lang="en-US" sz="1800" dirty="0">
                 <a:latin typeface="Courier"/>
                 <a:cs typeface="Courier"/>
               </a:rPr>
               <a:t>Allele A:</a:t>
             </a:r>
             <a:r>
-              <a:rPr lang="en-US" sz="1800" dirty="0" smtClean="0">
+              <a:rPr lang="en-US" sz="1800" dirty="0">
                 <a:solidFill>
                   <a:srgbClr val="0000FF"/>
                 </a:solidFill>
@@ -5509,7 +5798,7 @@
               <a:t>       ACC--AGC</a:t>
             </a:r>
             <a:r>
-              <a:rPr lang="en-US" sz="1800" dirty="0" smtClean="0">
+              <a:rPr lang="en-US" sz="1800" dirty="0">
                 <a:solidFill>
                   <a:srgbClr val="FF0000"/>
                 </a:solidFill>
@@ -5524,7 +5813,7 @@
               <a:buNone/>
             </a:pPr>
             <a:r>
-              <a:rPr lang="en-US" sz="1800" dirty="0" smtClean="0">
+              <a:rPr lang="en-US" sz="1800" dirty="0">
                 <a:solidFill>
                   <a:srgbClr val="000000"/>
                 </a:solidFill>
@@ -5534,7 +5823,7 @@
               <a:t>Allele B:    </a:t>
             </a:r>
             <a:r>
-              <a:rPr lang="en-US" sz="1800" dirty="0" smtClean="0">
+              <a:rPr lang="en-US" sz="1800" dirty="0">
                 <a:solidFill>
                   <a:srgbClr val="0000FF"/>
                 </a:solidFill>
@@ -5544,7 +5833,7 @@
               <a:t>   ACC--AGC</a:t>
             </a:r>
             <a:r>
-              <a:rPr lang="en-US" sz="1800" dirty="0" smtClean="0">
+              <a:rPr lang="en-US" sz="1800" dirty="0">
                 <a:solidFill>
                   <a:srgbClr val="FF0000"/>
                 </a:solidFill>
@@ -5554,7 +5843,7 @@
               <a:t>       ACC</a:t>
             </a:r>
             <a:r>
-              <a:rPr lang="en-US" sz="1800" b="1" dirty="0" smtClean="0">
+              <a:rPr lang="en-US" sz="1800" b="1" dirty="0">
                 <a:solidFill>
                   <a:srgbClr val="FF0000"/>
                 </a:solidFill>
@@ -5564,7 +5853,7 @@
               <a:t>GG</a:t>
             </a:r>
             <a:r>
-              <a:rPr lang="en-US" sz="1800" dirty="0" smtClean="0">
+              <a:rPr lang="en-US" sz="1800" dirty="0">
                 <a:solidFill>
                   <a:srgbClr val="FF0000"/>
                 </a:solidFill>
@@ -5576,23 +5865,23 @@
           </a:p>
           <a:p>
             <a:r>
-              <a:rPr lang="en-US" dirty="0" smtClean="0"/>
+              <a:rPr lang="en-US" dirty="0"/>
               <a:t>Most SNP callers (including GATK and </a:t>
             </a:r>
             <a:r>
-              <a:rPr lang="en-US" dirty="0" err="1" smtClean="0"/>
+              <a:rPr lang="en-US" dirty="0" err="1"/>
               <a:t>FreeBayes</a:t>
             </a:r>
             <a:r>
-              <a:rPr lang="en-US" dirty="0" smtClean="0"/>
+              <a:rPr lang="en-US" dirty="0"/>
               <a:t>) can also detect </a:t>
             </a:r>
             <a:r>
-              <a:rPr lang="en-US" dirty="0" err="1" smtClean="0"/>
+              <a:rPr lang="en-US" dirty="0" err="1"/>
               <a:t>indels</a:t>
             </a:r>
             <a:r>
-              <a:rPr lang="en-US" dirty="0" smtClean="0"/>
+              <a:rPr lang="en-US" dirty="0"/>
               <a:t> from 1 bp up to about the length of a sequencing read</a:t>
             </a:r>
           </a:p>
@@ -5621,10 +5910,9 @@
           <a:lstStyle/>
           <a:p>
             <a:r>
-              <a:rPr lang="en-US" sz="2400" u="sng" dirty="0" smtClean="0"/>
+              <a:rPr lang="en-US" sz="2400" u="sng" dirty="0"/>
               <a:t>Deletion</a:t>
             </a:r>
-            <a:endParaRPr lang="en-US" sz="2400" u="sng" dirty="0"/>
           </a:p>
         </p:txBody>
       </p:sp>
@@ -5651,10 +5939,9 @@
           <a:lstStyle/>
           <a:p>
             <a:r>
-              <a:rPr lang="en-US" sz="2400" u="sng" dirty="0" smtClean="0"/>
+              <a:rPr lang="en-US" sz="2400" u="sng" dirty="0"/>
               <a:t>Insertion</a:t>
             </a:r>
-            <a:endParaRPr lang="en-US" sz="2400" u="sng" dirty="0"/>
           </a:p>
         </p:txBody>
       </p:sp>
@@ -5668,14 +5955,6 @@
   <p:clrMapOvr>
     <a:masterClrMapping/>
   </p:clrMapOvr>
-  <mc:AlternateContent xmlns:mc="http://schemas.openxmlformats.org/markup-compatibility/2006" xmlns:p14="http://schemas.microsoft.com/office/powerpoint/2010/main">
-    <mc:Choice Requires="p14">
-      <p:transition spd="slow" p14:dur="2000"/>
-    </mc:Choice>
-    <mc:Fallback xmlns="">
-      <p:transition xmlns:p14="http://schemas.microsoft.com/office/powerpoint/2010/main" spd="slow"/>
-    </mc:Fallback>
-  </mc:AlternateContent>
 </p:sld>
 </file>
 
@@ -5715,10 +5994,9 @@
           <a:p>
             <a:pPr algn="ctr"/>
             <a:r>
-              <a:rPr lang="en-US" dirty="0" smtClean="0"/>
+              <a:rPr lang="en-US" dirty="0"/>
               <a:t>INDEL CALLING</a:t>
             </a:r>
-            <a:endParaRPr lang="en-US" dirty="0"/>
           </a:p>
         </p:txBody>
       </p:sp>
@@ -5748,100 +6026,100 @@
               <a:buNone/>
             </a:pPr>
             <a:r>
-              <a:rPr lang="en-US" u="sng" dirty="0" smtClean="0"/>
+              <a:rPr lang="en-US" u="sng" dirty="0"/>
               <a:t>Workflow</a:t>
             </a:r>
           </a:p>
           <a:p>
             <a:r>
-              <a:rPr lang="en-US" dirty="0" smtClean="0"/>
+              <a:rPr lang="en-US" dirty="0"/>
               <a:t>GATK </a:t>
             </a:r>
             <a:r>
-              <a:rPr lang="en-US" dirty="0" err="1" smtClean="0"/>
+              <a:rPr lang="en-US" dirty="0" err="1"/>
               <a:t>HaplotypeCaller</a:t>
             </a:r>
             <a:r>
-              <a:rPr lang="en-US" dirty="0" smtClean="0"/>
+              <a:rPr lang="en-US" dirty="0"/>
               <a:t> calls both SNPs and </a:t>
             </a:r>
             <a:r>
-              <a:rPr lang="en-US" dirty="0" err="1" smtClean="0"/>
+              <a:rPr lang="en-US" dirty="0" err="1"/>
               <a:t>indels</a:t>
             </a:r>
-            <a:endParaRPr lang="en-US" dirty="0" smtClean="0"/>
-          </a:p>
-          <a:p>
-            <a:r>
-              <a:rPr lang="en-US" dirty="0" smtClean="0"/>
+            <a:endParaRPr lang="en-US" dirty="0"/>
+          </a:p>
+          <a:p>
+            <a:r>
+              <a:rPr lang="en-US" dirty="0"/>
               <a:t>VQSR must be performed separately for SNPs and </a:t>
             </a:r>
             <a:r>
-              <a:rPr lang="en-US" dirty="0" err="1" smtClean="0"/>
+              <a:rPr lang="en-US" dirty="0" err="1"/>
               <a:t>indels</a:t>
             </a:r>
             <a:r>
-              <a:rPr lang="en-US" dirty="0" smtClean="0"/>
+              <a:rPr lang="en-US" dirty="0"/>
               <a:t> using different truth/training/known datasets</a:t>
             </a:r>
           </a:p>
           <a:p>
             <a:r>
-              <a:rPr lang="en-US" dirty="0" smtClean="0"/>
+              <a:rPr lang="en-US" dirty="0"/>
               <a:t>Thus, the overall </a:t>
             </a:r>
             <a:r>
-              <a:rPr lang="en-US" dirty="0" err="1" smtClean="0"/>
+              <a:rPr lang="en-US" dirty="0" err="1"/>
               <a:t>SNP+indel</a:t>
             </a:r>
             <a:r>
-              <a:rPr lang="en-US" dirty="0" smtClean="0"/>
+              <a:rPr lang="en-US" dirty="0"/>
               <a:t> calling workflow is</a:t>
             </a:r>
           </a:p>
           <a:p>
             <a:pPr lvl="1"/>
             <a:r>
-              <a:rPr lang="en-US" dirty="0" smtClean="0"/>
+              <a:rPr lang="en-US" dirty="0"/>
               <a:t>Call variants using </a:t>
             </a:r>
             <a:r>
-              <a:rPr lang="en-US" dirty="0" err="1" smtClean="0"/>
+              <a:rPr lang="en-US" dirty="0" err="1"/>
               <a:t>HaplotypeCaller</a:t>
             </a:r>
-            <a:endParaRPr lang="en-US" dirty="0" smtClean="0"/>
+            <a:endParaRPr lang="en-US" dirty="0"/>
           </a:p>
           <a:p>
             <a:pPr lvl="1"/>
             <a:r>
-              <a:rPr lang="en-US" dirty="0" smtClean="0"/>
+              <a:rPr lang="en-US" dirty="0"/>
               <a:t>Recalibrate SNPs</a:t>
             </a:r>
           </a:p>
           <a:p>
             <a:pPr lvl="1"/>
             <a:r>
-              <a:rPr lang="en-US" dirty="0" smtClean="0"/>
+              <a:rPr lang="en-US" dirty="0"/>
               <a:t>Recalibrate </a:t>
             </a:r>
             <a:r>
-              <a:rPr lang="en-US" dirty="0" err="1" smtClean="0"/>
+              <a:rPr lang="en-US" dirty="0" err="1"/>
               <a:t>indels</a:t>
             </a:r>
-            <a:endParaRPr lang="en-US" dirty="0" smtClean="0"/>
+            <a:endParaRPr lang="en-US" dirty="0"/>
           </a:p>
           <a:p>
             <a:pPr lvl="1"/>
             <a:r>
-              <a:rPr lang="en-US" dirty="0" smtClean="0"/>
+              <a:rPr lang="en-US" dirty="0"/>
               <a:t>Filter SNPs and </a:t>
             </a:r>
             <a:r>
-              <a:rPr lang="en-US" dirty="0" err="1" smtClean="0"/>
+              <a:rPr lang="en-US" dirty="0" err="1"/>
               <a:t>indels</a:t>
             </a:r>
             <a:r>
-              <a:rPr lang="en-US" dirty="0" smtClean="0"/>
+              <a:rPr lang="en-US" dirty="0"/>
               <a:t> separately and/or together</a:t>
             </a:r>
           </a:p>
@@ -5857,14 +6135,6 @@
   <p:clrMapOvr>
     <a:masterClrMapping/>
   </p:clrMapOvr>
-  <mc:AlternateContent xmlns:mc="http://schemas.openxmlformats.org/markup-compatibility/2006" xmlns:p14="http://schemas.microsoft.com/office/powerpoint/2010/main">
-    <mc:Choice Requires="p14">
-      <p:transition spd="slow" p14:dur="2000"/>
-    </mc:Choice>
-    <mc:Fallback xmlns="">
-      <p:transition xmlns:p14="http://schemas.microsoft.com/office/powerpoint/2010/main" spd="slow"/>
-    </mc:Fallback>
-  </mc:AlternateContent>
 </p:sld>
 </file>
 
@@ -5887,7 +6157,13 @@
       </p:grpSpPr>
       <p:sp>
         <p:nvSpPr>
-          <p:cNvPr id="2" name="Title 1"/>
+          <p:cNvPr id="2" name="Title 1">
+            <a:extLst>
+              <a:ext uri="{FF2B5EF4-FFF2-40B4-BE49-F238E27FC236}">
+                <a16:creationId xmlns:a16="http://schemas.microsoft.com/office/drawing/2014/main" id="{E6255B7B-16C4-C74E-B7E6-13942F5B6015}"/>
+              </a:ext>
+            </a:extLst>
+          </p:cNvPr>
           <p:cNvSpPr>
             <a:spLocks noGrp="1"/>
           </p:cNvSpPr>
@@ -5897,23 +6173,22 @@
         </p:nvSpPr>
         <p:spPr/>
         <p:txBody>
-          <a:bodyPr>
-            <a:normAutofit/>
-          </a:bodyPr>
-          <a:lstStyle/>
-          <a:p>
-            <a:pPr algn="ctr"/>
-            <a:r>
-              <a:rPr lang="en-US" dirty="0" smtClean="0"/>
-              <a:t>INDEL CALLING</a:t>
-            </a:r>
-            <a:endParaRPr lang="en-US" dirty="0"/>
-          </a:p>
-        </p:txBody>
-      </p:sp>
-      <p:sp>
-        <p:nvSpPr>
-          <p:cNvPr id="3" name="Content Placeholder 2"/>
+          <a:bodyPr/>
+          <a:lstStyle/>
+          <a:p>
+            <a:endParaRPr lang="en-US"/>
+          </a:p>
+        </p:txBody>
+      </p:sp>
+      <p:sp>
+        <p:nvSpPr>
+          <p:cNvPr id="3" name="Content Placeholder 2">
+            <a:extLst>
+              <a:ext uri="{FF2B5EF4-FFF2-40B4-BE49-F238E27FC236}">
+                <a16:creationId xmlns:a16="http://schemas.microsoft.com/office/drawing/2014/main" id="{B7FFF403-9A2B-2844-BA3B-42EA9404E138}"/>
+              </a:ext>
+            </a:extLst>
+          </p:cNvPr>
           <p:cNvSpPr>
             <a:spLocks noGrp="1"/>
           </p:cNvSpPr>
@@ -5921,86 +6196,25 @@
             <p:ph sz="quarter" idx="1"/>
           </p:nvPr>
         </p:nvSpPr>
-        <p:spPr>
-          <a:xfrm>
-            <a:off x="152400" y="1574800"/>
-            <a:ext cx="8864600" cy="5156200"/>
-          </a:xfrm>
-        </p:spPr>
-        <p:txBody>
-          <a:bodyPr>
-            <a:normAutofit/>
-          </a:bodyPr>
-          <a:lstStyle/>
-          <a:p>
-            <a:pPr marL="0" indent="0" algn="ctr">
-              <a:buNone/>
-            </a:pPr>
-            <a:r>
-              <a:rPr lang="en-US" u="sng" dirty="0" smtClean="0"/>
-              <a:t>VQSR</a:t>
-            </a:r>
-          </a:p>
-          <a:p>
-            <a:r>
-              <a:rPr lang="en-US" dirty="0" smtClean="0"/>
-              <a:t>Reference datasets</a:t>
-            </a:r>
-          </a:p>
-          <a:p>
-            <a:pPr lvl="1"/>
-            <a:r>
-              <a:rPr lang="en-US" dirty="0" smtClean="0"/>
-              <a:t>Mills: set of ~400k high-confidence </a:t>
-            </a:r>
-            <a:r>
-              <a:rPr lang="en-US" dirty="0" err="1" smtClean="0"/>
-              <a:t>indels</a:t>
-            </a:r>
-            <a:r>
-              <a:rPr lang="en-US" dirty="0" smtClean="0"/>
-              <a:t> (truth=true, training=true, known=false)</a:t>
-            </a:r>
-          </a:p>
-          <a:p>
-            <a:pPr lvl="1"/>
-            <a:r>
-              <a:rPr lang="en-US" dirty="0" err="1" smtClean="0"/>
-              <a:t>dbSNP</a:t>
-            </a:r>
-            <a:r>
-              <a:rPr lang="en-US" dirty="0" smtClean="0"/>
-              <a:t>: Database of known human variation, also contains </a:t>
-            </a:r>
-            <a:r>
-              <a:rPr lang="en-US" dirty="0" err="1" smtClean="0"/>
-              <a:t>indels</a:t>
-            </a:r>
-            <a:r>
-              <a:rPr lang="en-US" dirty="0" smtClean="0"/>
-              <a:t> (truth=false, training=false, known=true)</a:t>
-            </a:r>
+        <p:spPr/>
+        <p:txBody>
+          <a:bodyPr/>
+          <a:lstStyle/>
+          <a:p>
+            <a:endParaRPr lang="en-US"/>
           </a:p>
         </p:txBody>
       </p:sp>
     </p:spTree>
     <p:extLst>
       <p:ext uri="{BB962C8B-B14F-4D97-AF65-F5344CB8AC3E}">
-        <p14:creationId xmlns:p14="http://schemas.microsoft.com/office/powerpoint/2010/main" val="796441218"/>
+        <p14:creationId xmlns:p14="http://schemas.microsoft.com/office/powerpoint/2010/main" val="4273918846"/>
       </p:ext>
     </p:extLst>
   </p:cSld>
   <p:clrMapOvr>
     <a:masterClrMapping/>
   </p:clrMapOvr>
-  <mc:AlternateContent xmlns:mc="http://schemas.openxmlformats.org/markup-compatibility/2006" xmlns:p14="http://schemas.microsoft.com/office/powerpoint/2010/main">
-    <mc:Choice Requires="p14">
-      <p:transition spd="slow" p14:dur="2000"/>
-    </mc:Choice>
-    <mc:Fallback xmlns="">
-      <p:transition xmlns:p14="http://schemas.microsoft.com/office/powerpoint/2010/main" spd="slow"/>
-    </mc:Fallback>
-  </mc:AlternateContent>
 </p:sld>
 </file>
 
@@ -6023,7 +6237,13 @@
       </p:grpSpPr>
       <p:sp>
         <p:nvSpPr>
-          <p:cNvPr id="2" name="Title 1"/>
+          <p:cNvPr id="2" name="Title 1">
+            <a:extLst>
+              <a:ext uri="{FF2B5EF4-FFF2-40B4-BE49-F238E27FC236}">
+                <a16:creationId xmlns:a16="http://schemas.microsoft.com/office/drawing/2014/main" id="{FBC8AD09-0A82-9A4B-9DF1-EC7D1A3A1A42}"/>
+              </a:ext>
+            </a:extLst>
+          </p:cNvPr>
           <p:cNvSpPr>
             <a:spLocks noGrp="1"/>
           </p:cNvSpPr>
@@ -6033,23 +6253,22 @@
         </p:nvSpPr>
         <p:spPr/>
         <p:txBody>
-          <a:bodyPr>
-            <a:normAutofit/>
-          </a:bodyPr>
-          <a:lstStyle/>
-          <a:p>
-            <a:pPr algn="ctr"/>
-            <a:r>
-              <a:rPr lang="en-US" dirty="0" smtClean="0"/>
-              <a:t>INDEL CALLING</a:t>
-            </a:r>
-            <a:endParaRPr lang="en-US" dirty="0"/>
-          </a:p>
-        </p:txBody>
-      </p:sp>
-      <p:sp>
-        <p:nvSpPr>
-          <p:cNvPr id="3" name="Content Placeholder 2"/>
+          <a:bodyPr/>
+          <a:lstStyle/>
+          <a:p>
+            <a:endParaRPr lang="en-US"/>
+          </a:p>
+        </p:txBody>
+      </p:sp>
+      <p:sp>
+        <p:nvSpPr>
+          <p:cNvPr id="3" name="Content Placeholder 2">
+            <a:extLst>
+              <a:ext uri="{FF2B5EF4-FFF2-40B4-BE49-F238E27FC236}">
+                <a16:creationId xmlns:a16="http://schemas.microsoft.com/office/drawing/2014/main" id="{F52FCFEF-525C-D24B-9856-42844C66CE2A}"/>
+              </a:ext>
+            </a:extLst>
+          </p:cNvPr>
           <p:cNvSpPr>
             <a:spLocks noGrp="1"/>
           </p:cNvSpPr>
@@ -6057,684 +6276,25 @@
             <p:ph sz="quarter" idx="1"/>
           </p:nvPr>
         </p:nvSpPr>
-        <p:spPr>
-          <a:xfrm>
-            <a:off x="152400" y="1574800"/>
-            <a:ext cx="8864600" cy="5156200"/>
-          </a:xfrm>
-        </p:spPr>
-        <p:txBody>
-          <a:bodyPr>
-            <a:normAutofit/>
-          </a:bodyPr>
-          <a:lstStyle/>
-          <a:p>
-            <a:pPr marL="0" indent="0" algn="ctr">
-              <a:buNone/>
-            </a:pPr>
-            <a:r>
-              <a:rPr lang="en-US" sz="2800" u="sng" dirty="0" smtClean="0"/>
-              <a:t>GATK: Example VQSR Command</a:t>
-            </a:r>
-          </a:p>
-          <a:p>
-            <a:pPr marL="0" indent="0">
-              <a:buNone/>
-            </a:pPr>
-            <a:r>
-              <a:rPr lang="en-US" sz="1400" dirty="0" smtClean="0">
-                <a:latin typeface="Courier"/>
-                <a:cs typeface="Courier"/>
-              </a:rPr>
-              <a:t>$ java </a:t>
-            </a:r>
-            <a:r>
-              <a:rPr lang="en-US" sz="1400" dirty="0">
-                <a:latin typeface="Courier"/>
-                <a:cs typeface="Courier"/>
-              </a:rPr>
-              <a:t>-jar </a:t>
-            </a:r>
-            <a:r>
-              <a:rPr lang="en-US" sz="1400" dirty="0" err="1">
-                <a:latin typeface="Courier"/>
-                <a:cs typeface="Courier"/>
-              </a:rPr>
-              <a:t>GenomeAnalysisTK.jar</a:t>
-            </a:r>
-            <a:r>
-              <a:rPr lang="en-US" sz="1400" dirty="0">
-                <a:latin typeface="Courier"/>
-                <a:cs typeface="Courier"/>
-              </a:rPr>
-              <a:t> \ </a:t>
-            </a:r>
-          </a:p>
-          <a:p>
-            <a:pPr marL="0" indent="0">
-              <a:buNone/>
-            </a:pPr>
-            <a:r>
-              <a:rPr lang="en-US" sz="1400" dirty="0">
-                <a:latin typeface="Courier"/>
-                <a:cs typeface="Courier"/>
-              </a:rPr>
-              <a:t>    -T </a:t>
-            </a:r>
-            <a:r>
-              <a:rPr lang="en-US" sz="1400" dirty="0" err="1">
-                <a:latin typeface="Courier"/>
-                <a:cs typeface="Courier"/>
-              </a:rPr>
-              <a:t>VariantRecalibrator</a:t>
-            </a:r>
-            <a:r>
-              <a:rPr lang="en-US" sz="1400" dirty="0">
-                <a:latin typeface="Courier"/>
-                <a:cs typeface="Courier"/>
-              </a:rPr>
-              <a:t> </a:t>
-            </a:r>
-            <a:r>
-              <a:rPr lang="en-US" sz="1400" dirty="0" smtClean="0">
-                <a:latin typeface="Courier"/>
-                <a:cs typeface="Courier"/>
-              </a:rPr>
-              <a:t>\ </a:t>
-            </a:r>
-          </a:p>
-          <a:p>
-            <a:pPr marL="0" indent="0">
-              <a:buNone/>
-            </a:pPr>
-            <a:r>
-              <a:rPr lang="en-US" sz="1400" dirty="0" smtClean="0">
-                <a:latin typeface="Courier"/>
-                <a:cs typeface="Courier"/>
-              </a:rPr>
-              <a:t>    -R </a:t>
-            </a:r>
-            <a:r>
-              <a:rPr lang="en-US" sz="1400" dirty="0" err="1" smtClean="0">
-                <a:latin typeface="Courier"/>
-                <a:cs typeface="Courier"/>
-              </a:rPr>
-              <a:t>reference.fa</a:t>
-            </a:r>
-            <a:r>
-              <a:rPr lang="en-US" sz="1400" dirty="0" smtClean="0">
-                <a:latin typeface="Courier"/>
-                <a:cs typeface="Courier"/>
-              </a:rPr>
-              <a:t> \ </a:t>
-            </a:r>
-          </a:p>
-          <a:p>
-            <a:pPr marL="0" indent="0">
-              <a:buNone/>
-            </a:pPr>
-            <a:r>
-              <a:rPr lang="en-US" sz="1400" dirty="0" smtClean="0">
-                <a:latin typeface="Courier"/>
-                <a:cs typeface="Courier"/>
-              </a:rPr>
-              <a:t>    -input </a:t>
-            </a:r>
-            <a:r>
-              <a:rPr lang="en-US" sz="1400" dirty="0" err="1">
-                <a:latin typeface="Courier"/>
-                <a:cs typeface="Courier"/>
-              </a:rPr>
-              <a:t>recalibrated_snps_raw_indels.vcf</a:t>
-            </a:r>
-            <a:r>
-              <a:rPr lang="en-US" sz="1400" dirty="0">
-                <a:latin typeface="Courier"/>
-                <a:cs typeface="Courier"/>
-              </a:rPr>
-              <a:t> </a:t>
-            </a:r>
-            <a:r>
-              <a:rPr lang="en-US" sz="1400" dirty="0" smtClean="0">
-                <a:latin typeface="Courier"/>
-                <a:cs typeface="Courier"/>
-              </a:rPr>
-              <a:t>\ </a:t>
-            </a:r>
-          </a:p>
-          <a:p>
-            <a:pPr marL="0" indent="0">
-              <a:buNone/>
-            </a:pPr>
-            <a:r>
-              <a:rPr lang="en-US" sz="1400" dirty="0" smtClean="0">
-                <a:latin typeface="Courier"/>
-                <a:cs typeface="Courier"/>
-              </a:rPr>
-              <a:t>    </a:t>
-            </a:r>
-            <a:r>
-              <a:rPr lang="en-US" sz="1400" dirty="0">
-                <a:latin typeface="Courier"/>
-                <a:cs typeface="Courier"/>
-              </a:rPr>
-              <a:t>-</a:t>
-            </a:r>
-            <a:r>
-              <a:rPr lang="en-US" sz="1400" dirty="0" err="1">
-                <a:latin typeface="Courier"/>
-                <a:cs typeface="Courier"/>
-              </a:rPr>
-              <a:t>resource:mills,known</a:t>
-            </a:r>
-            <a:r>
-              <a:rPr lang="en-US" sz="1400" dirty="0">
-                <a:latin typeface="Courier"/>
-                <a:cs typeface="Courier"/>
-              </a:rPr>
-              <a:t>=</a:t>
-            </a:r>
-            <a:r>
-              <a:rPr lang="en-US" sz="1400" dirty="0" err="1">
-                <a:latin typeface="Courier"/>
-                <a:cs typeface="Courier"/>
-              </a:rPr>
-              <a:t>false,training</a:t>
-            </a:r>
-            <a:r>
-              <a:rPr lang="en-US" sz="1400" dirty="0">
-                <a:latin typeface="Courier"/>
-                <a:cs typeface="Courier"/>
-              </a:rPr>
-              <a:t>=</a:t>
-            </a:r>
-            <a:r>
-              <a:rPr lang="en-US" sz="1400" dirty="0" err="1">
-                <a:latin typeface="Courier"/>
-                <a:cs typeface="Courier"/>
-              </a:rPr>
-              <a:t>true,truth</a:t>
-            </a:r>
-            <a:r>
-              <a:rPr lang="en-US" sz="1400" dirty="0">
-                <a:latin typeface="Courier"/>
-                <a:cs typeface="Courier"/>
-              </a:rPr>
-              <a:t>=</a:t>
-            </a:r>
-            <a:r>
-              <a:rPr lang="en-US" sz="1400" dirty="0" err="1">
-                <a:latin typeface="Courier"/>
-                <a:cs typeface="Courier"/>
-              </a:rPr>
-              <a:t>true,prior</a:t>
-            </a:r>
-            <a:r>
-              <a:rPr lang="en-US" sz="1400" dirty="0">
-                <a:latin typeface="Courier"/>
-                <a:cs typeface="Courier"/>
-              </a:rPr>
-              <a:t>=12.0 </a:t>
-            </a:r>
-            <a:r>
-              <a:rPr lang="en-US" sz="1400" dirty="0" smtClean="0">
-                <a:latin typeface="Courier"/>
-                <a:cs typeface="Courier"/>
-              </a:rPr>
-              <a:t>\</a:t>
-            </a:r>
-          </a:p>
-          <a:p>
-            <a:pPr marL="0" indent="0">
-              <a:buNone/>
-            </a:pPr>
-            <a:r>
-              <a:rPr lang="en-US" sz="1400" dirty="0">
-                <a:latin typeface="Courier"/>
-                <a:cs typeface="Courier"/>
-              </a:rPr>
-              <a:t> </a:t>
-            </a:r>
-            <a:r>
-              <a:rPr lang="en-US" sz="1400" dirty="0" smtClean="0">
-                <a:latin typeface="Courier"/>
-                <a:cs typeface="Courier"/>
-              </a:rPr>
-              <a:t>       Mills_and_1000G_gold_standard.indels.b37</a:t>
-            </a:r>
-            <a:r>
-              <a:rPr lang="en-US" sz="1400" dirty="0">
-                <a:latin typeface="Courier"/>
-                <a:cs typeface="Courier"/>
-              </a:rPr>
-              <a:t>.sites.vcf \</a:t>
-            </a:r>
-            <a:endParaRPr lang="en-US" sz="1400" dirty="0" smtClean="0">
-              <a:latin typeface="Courier"/>
-              <a:cs typeface="Courier"/>
-            </a:endParaRPr>
-          </a:p>
-          <a:p>
-            <a:pPr marL="0" indent="0">
-              <a:buNone/>
-            </a:pPr>
-            <a:r>
-              <a:rPr lang="en-US" sz="1400" dirty="0" smtClean="0">
-                <a:latin typeface="Courier"/>
-                <a:cs typeface="Courier"/>
-              </a:rPr>
-              <a:t>    -</a:t>
-            </a:r>
-            <a:r>
-              <a:rPr lang="en-US" sz="1400" dirty="0" err="1">
-                <a:latin typeface="Courier"/>
-                <a:cs typeface="Courier"/>
-              </a:rPr>
-              <a:t>resource:dbsnp,known</a:t>
-            </a:r>
-            <a:r>
-              <a:rPr lang="en-US" sz="1400" dirty="0">
-                <a:latin typeface="Courier"/>
-                <a:cs typeface="Courier"/>
-              </a:rPr>
-              <a:t>=</a:t>
-            </a:r>
-            <a:r>
-              <a:rPr lang="en-US" sz="1400" dirty="0" err="1">
-                <a:latin typeface="Courier"/>
-                <a:cs typeface="Courier"/>
-              </a:rPr>
-              <a:t>true,training</a:t>
-            </a:r>
-            <a:r>
-              <a:rPr lang="en-US" sz="1400" dirty="0">
-                <a:latin typeface="Courier"/>
-                <a:cs typeface="Courier"/>
-              </a:rPr>
-              <a:t>=</a:t>
-            </a:r>
-            <a:r>
-              <a:rPr lang="en-US" sz="1400" dirty="0" err="1">
-                <a:latin typeface="Courier"/>
-                <a:cs typeface="Courier"/>
-              </a:rPr>
-              <a:t>false,truth</a:t>
-            </a:r>
-            <a:r>
-              <a:rPr lang="en-US" sz="1400" dirty="0">
-                <a:latin typeface="Courier"/>
-                <a:cs typeface="Courier"/>
-              </a:rPr>
-              <a:t>=</a:t>
-            </a:r>
-            <a:r>
-              <a:rPr lang="en-US" sz="1400" dirty="0" err="1">
-                <a:latin typeface="Courier"/>
-                <a:cs typeface="Courier"/>
-              </a:rPr>
-              <a:t>false,prior</a:t>
-            </a:r>
-            <a:r>
-              <a:rPr lang="en-US" sz="1400" dirty="0">
-                <a:latin typeface="Courier"/>
-                <a:cs typeface="Courier"/>
-              </a:rPr>
-              <a:t>=2.0 </a:t>
-            </a:r>
-            <a:r>
-              <a:rPr lang="en-US" sz="1400" dirty="0" err="1">
-                <a:latin typeface="Courier"/>
-                <a:cs typeface="Courier"/>
-              </a:rPr>
-              <a:t>dbsnp.vcf</a:t>
-            </a:r>
-            <a:r>
-              <a:rPr lang="en-US" sz="1400" dirty="0">
-                <a:latin typeface="Courier"/>
-                <a:cs typeface="Courier"/>
-              </a:rPr>
-              <a:t> \ </a:t>
-            </a:r>
-          </a:p>
-          <a:p>
-            <a:pPr marL="0" indent="0">
-              <a:buNone/>
-            </a:pPr>
-            <a:r>
-              <a:rPr lang="en-US" sz="1400" dirty="0">
-                <a:latin typeface="Courier"/>
-                <a:cs typeface="Courier"/>
-              </a:rPr>
-              <a:t>    -an DP </a:t>
-            </a:r>
-            <a:r>
-              <a:rPr lang="en-US" sz="1400" dirty="0" smtClean="0">
-                <a:latin typeface="Courier"/>
-                <a:cs typeface="Courier"/>
-              </a:rPr>
-              <a:t>-</a:t>
-            </a:r>
-            <a:r>
-              <a:rPr lang="en-US" sz="1400" dirty="0">
-                <a:latin typeface="Courier"/>
-                <a:cs typeface="Courier"/>
-              </a:rPr>
-              <a:t>an </a:t>
-            </a:r>
-            <a:r>
-              <a:rPr lang="en-US" sz="1400" dirty="0" smtClean="0">
-                <a:latin typeface="Courier"/>
-                <a:cs typeface="Courier"/>
-              </a:rPr>
-              <a:t>QD -</a:t>
-            </a:r>
-            <a:r>
-              <a:rPr lang="en-US" sz="1400" dirty="0">
-                <a:latin typeface="Courier"/>
-                <a:cs typeface="Courier"/>
-              </a:rPr>
-              <a:t>an FS </a:t>
-            </a:r>
-            <a:r>
-              <a:rPr lang="en-US" sz="1400" dirty="0" smtClean="0">
-                <a:latin typeface="Courier"/>
-                <a:cs typeface="Courier"/>
-              </a:rPr>
-              <a:t>-</a:t>
-            </a:r>
-            <a:r>
-              <a:rPr lang="en-US" sz="1400" dirty="0">
-                <a:latin typeface="Courier"/>
-                <a:cs typeface="Courier"/>
-              </a:rPr>
-              <a:t>an SOR </a:t>
-            </a:r>
-            <a:r>
-              <a:rPr lang="en-US" sz="1400" dirty="0" smtClean="0">
-                <a:latin typeface="Courier"/>
-                <a:cs typeface="Courier"/>
-              </a:rPr>
-              <a:t>-</a:t>
-            </a:r>
-            <a:r>
-              <a:rPr lang="en-US" sz="1400" dirty="0">
-                <a:latin typeface="Courier"/>
-                <a:cs typeface="Courier"/>
-              </a:rPr>
-              <a:t>an </a:t>
-            </a:r>
-            <a:r>
-              <a:rPr lang="en-US" sz="1400" dirty="0" err="1" smtClean="0">
-                <a:latin typeface="Courier"/>
-                <a:cs typeface="Courier"/>
-              </a:rPr>
-              <a:t>MQRankSum</a:t>
-            </a:r>
-            <a:r>
-              <a:rPr lang="en-US" sz="1400" dirty="0" smtClean="0">
-                <a:latin typeface="Courier"/>
-                <a:cs typeface="Courier"/>
-              </a:rPr>
-              <a:t> -</a:t>
-            </a:r>
-            <a:r>
-              <a:rPr lang="en-US" sz="1400" dirty="0">
-                <a:latin typeface="Courier"/>
-                <a:cs typeface="Courier"/>
-              </a:rPr>
-              <a:t>an </a:t>
-            </a:r>
-            <a:r>
-              <a:rPr lang="en-US" sz="1400" dirty="0" err="1">
-                <a:latin typeface="Courier"/>
-                <a:cs typeface="Courier"/>
-              </a:rPr>
-              <a:t>ReadPosRankSum</a:t>
-            </a:r>
-            <a:r>
-              <a:rPr lang="en-US" sz="1400" dirty="0">
-                <a:latin typeface="Courier"/>
-                <a:cs typeface="Courier"/>
-              </a:rPr>
-              <a:t> \ </a:t>
-            </a:r>
-          </a:p>
-          <a:p>
-            <a:pPr marL="0" indent="0">
-              <a:buNone/>
-            </a:pPr>
-            <a:r>
-              <a:rPr lang="en-US" sz="1400" dirty="0">
-                <a:latin typeface="Courier"/>
-                <a:cs typeface="Courier"/>
-              </a:rPr>
-              <a:t>    -an </a:t>
-            </a:r>
-            <a:r>
-              <a:rPr lang="en-US" sz="1400" dirty="0" err="1">
-                <a:latin typeface="Courier"/>
-                <a:cs typeface="Courier"/>
-              </a:rPr>
-              <a:t>InbreedingCoeff</a:t>
-            </a:r>
-            <a:r>
-              <a:rPr lang="en-US" sz="1400" dirty="0">
-                <a:latin typeface="Courier"/>
-                <a:cs typeface="Courier"/>
-              </a:rPr>
-              <a:t> \</a:t>
-            </a:r>
-          </a:p>
-          <a:p>
-            <a:pPr marL="0" indent="0">
-              <a:buNone/>
-            </a:pPr>
-            <a:r>
-              <a:rPr lang="en-US" sz="1400" dirty="0">
-                <a:latin typeface="Courier"/>
-                <a:cs typeface="Courier"/>
-              </a:rPr>
-              <a:t>    -mode </a:t>
-            </a:r>
-            <a:r>
-              <a:rPr lang="en-US" sz="1400" dirty="0" smtClean="0">
-                <a:latin typeface="Courier"/>
-                <a:cs typeface="Courier"/>
-              </a:rPr>
-              <a:t>INDEL \ </a:t>
-            </a:r>
-            <a:endParaRPr lang="en-US" sz="1400" dirty="0">
-              <a:latin typeface="Courier"/>
-              <a:cs typeface="Courier"/>
-            </a:endParaRPr>
-          </a:p>
-          <a:p>
-            <a:pPr marL="0" indent="0">
-              <a:buNone/>
-            </a:pPr>
-            <a:r>
-              <a:rPr lang="en-US" sz="1400" dirty="0">
-                <a:latin typeface="Courier"/>
-                <a:cs typeface="Courier"/>
-              </a:rPr>
-              <a:t>    -tranche 100.0 -tranche 99.9 -tranche 99.0 -tranche 90.0 \ </a:t>
-            </a:r>
-          </a:p>
-          <a:p>
-            <a:pPr marL="0" indent="0">
-              <a:buNone/>
-            </a:pPr>
-            <a:r>
-              <a:rPr lang="en-US" sz="1400" dirty="0">
-                <a:latin typeface="Courier"/>
-                <a:cs typeface="Courier"/>
-              </a:rPr>
-              <a:t>    --</a:t>
-            </a:r>
-            <a:r>
-              <a:rPr lang="en-US" sz="1400" dirty="0" err="1">
-                <a:latin typeface="Courier"/>
-                <a:cs typeface="Courier"/>
-              </a:rPr>
-              <a:t>maxGaussians</a:t>
-            </a:r>
-            <a:r>
-              <a:rPr lang="en-US" sz="1400" dirty="0">
-                <a:latin typeface="Courier"/>
-                <a:cs typeface="Courier"/>
-              </a:rPr>
-              <a:t> </a:t>
-            </a:r>
-            <a:r>
-              <a:rPr lang="en-US" sz="1400" dirty="0" smtClean="0">
-                <a:latin typeface="Courier"/>
-                <a:cs typeface="Courier"/>
-              </a:rPr>
-              <a:t>4 -</a:t>
-            </a:r>
-            <a:r>
-              <a:rPr lang="en-US" sz="1400" dirty="0" err="1">
-                <a:latin typeface="Courier"/>
-                <a:cs typeface="Courier"/>
-              </a:rPr>
-              <a:t>recalFile</a:t>
-            </a:r>
-            <a:r>
-              <a:rPr lang="en-US" sz="1400" dirty="0">
-                <a:latin typeface="Courier"/>
-                <a:cs typeface="Courier"/>
-              </a:rPr>
-              <a:t> </a:t>
-            </a:r>
-            <a:r>
-              <a:rPr lang="en-US" sz="1400" dirty="0" err="1" smtClean="0">
-                <a:latin typeface="Courier"/>
-                <a:cs typeface="Courier"/>
-              </a:rPr>
-              <a:t>recalibrate_INDEL.recal</a:t>
-            </a:r>
-            <a:r>
-              <a:rPr lang="en-US" sz="1400" dirty="0" smtClean="0">
-                <a:latin typeface="Courier"/>
-                <a:cs typeface="Courier"/>
-              </a:rPr>
-              <a:t> </a:t>
-            </a:r>
-            <a:r>
-              <a:rPr lang="en-US" sz="1400" dirty="0">
-                <a:latin typeface="Courier"/>
-                <a:cs typeface="Courier"/>
-              </a:rPr>
-              <a:t>\ </a:t>
-            </a:r>
-          </a:p>
-          <a:p>
-            <a:pPr marL="0" indent="0">
-              <a:buNone/>
-            </a:pPr>
-            <a:r>
-              <a:rPr lang="en-US" sz="1400" dirty="0">
-                <a:latin typeface="Courier"/>
-                <a:cs typeface="Courier"/>
-              </a:rPr>
-              <a:t>    -</a:t>
-            </a:r>
-            <a:r>
-              <a:rPr lang="en-US" sz="1400" dirty="0" err="1">
-                <a:latin typeface="Courier"/>
-                <a:cs typeface="Courier"/>
-              </a:rPr>
-              <a:t>tranchesFile</a:t>
-            </a:r>
-            <a:r>
-              <a:rPr lang="en-US" sz="1400" dirty="0">
-                <a:latin typeface="Courier"/>
-                <a:cs typeface="Courier"/>
-              </a:rPr>
-              <a:t> </a:t>
-            </a:r>
-            <a:r>
-              <a:rPr lang="en-US" sz="1400" dirty="0" err="1" smtClean="0">
-                <a:latin typeface="Courier"/>
-                <a:cs typeface="Courier"/>
-              </a:rPr>
-              <a:t>recalibrate_INDEL.tranches</a:t>
-            </a:r>
-            <a:r>
-              <a:rPr lang="en-US" sz="1400" dirty="0" smtClean="0">
-                <a:latin typeface="Courier"/>
-                <a:cs typeface="Courier"/>
-              </a:rPr>
-              <a:t> </a:t>
-            </a:r>
-            <a:r>
-              <a:rPr lang="en-US" sz="1400" dirty="0">
-                <a:latin typeface="Courier"/>
-                <a:cs typeface="Courier"/>
-              </a:rPr>
-              <a:t>\ </a:t>
-            </a:r>
-          </a:p>
-          <a:p>
-            <a:pPr marL="0" indent="0">
-              <a:buNone/>
-            </a:pPr>
-            <a:r>
-              <a:rPr lang="en-US" sz="1400" dirty="0">
-                <a:latin typeface="Courier"/>
-                <a:cs typeface="Courier"/>
-              </a:rPr>
-              <a:t>    -</a:t>
-            </a:r>
-            <a:r>
-              <a:rPr lang="en-US" sz="1400" dirty="0" err="1">
-                <a:latin typeface="Courier"/>
-                <a:cs typeface="Courier"/>
-              </a:rPr>
-              <a:t>rscriptFile</a:t>
-            </a:r>
-            <a:r>
-              <a:rPr lang="en-US" sz="1400" dirty="0">
-                <a:latin typeface="Courier"/>
-                <a:cs typeface="Courier"/>
-              </a:rPr>
-              <a:t> </a:t>
-            </a:r>
-            <a:r>
-              <a:rPr lang="en-US" sz="1400" dirty="0" err="1" smtClean="0">
-                <a:latin typeface="Courier"/>
-                <a:cs typeface="Courier"/>
-              </a:rPr>
-              <a:t>recalibrate_INDEL_plots.R</a:t>
-            </a:r>
-            <a:r>
-              <a:rPr lang="en-US" sz="1400" dirty="0" smtClean="0">
-                <a:latin typeface="Courier"/>
-                <a:cs typeface="Courier"/>
-              </a:rPr>
-              <a:t> </a:t>
-            </a:r>
+        <p:spPr/>
+        <p:txBody>
+          <a:bodyPr/>
+          <a:lstStyle/>
+          <a:p>
+            <a:endParaRPr lang="en-US"/>
           </a:p>
         </p:txBody>
       </p:sp>
     </p:spTree>
     <p:extLst>
       <p:ext uri="{BB962C8B-B14F-4D97-AF65-F5344CB8AC3E}">
-        <p14:creationId xmlns:p14="http://schemas.microsoft.com/office/powerpoint/2010/main" val="3948450607"/>
+        <p14:creationId xmlns:p14="http://schemas.microsoft.com/office/powerpoint/2010/main" val="1091628879"/>
       </p:ext>
     </p:extLst>
   </p:cSld>
   <p:clrMapOvr>
     <a:masterClrMapping/>
   </p:clrMapOvr>
-  <mc:AlternateContent xmlns:mc="http://schemas.openxmlformats.org/markup-compatibility/2006" xmlns:p14="http://schemas.microsoft.com/office/powerpoint/2010/main">
-    <mc:Choice Requires="p14">
-      <p:transition spd="slow" p14:dur="2000"/>
-    </mc:Choice>
-    <mc:Fallback xmlns="">
-      <p:transition xmlns:p14="http://schemas.microsoft.com/office/powerpoint/2010/main" spd="slow"/>
-    </mc:Fallback>
-  </mc:AlternateContent>
 </p:sld>
 </file>
 
@@ -6774,10 +6334,9 @@
           <a:p>
             <a:pPr algn="ctr"/>
             <a:r>
-              <a:rPr lang="en-US" dirty="0" smtClean="0"/>
+              <a:rPr lang="en-US" dirty="0"/>
               <a:t>INDEL CALLING</a:t>
             </a:r>
-            <a:endParaRPr lang="en-US" dirty="0"/>
           </a:p>
         </p:txBody>
       </p:sp>
@@ -6807,44 +6366,48 @@
               <a:buNone/>
             </a:pPr>
             <a:r>
-              <a:rPr lang="en-US" u="sng" dirty="0" smtClean="0"/>
-              <a:t>VQSR: Threshold</a:t>
-            </a:r>
-          </a:p>
-          <a:p>
-            <a:r>
-              <a:rPr lang="en-US" dirty="0" err="1" smtClean="0"/>
-              <a:t>VariantRecalibrator</a:t>
-            </a:r>
-            <a:r>
-              <a:rPr lang="en-US" dirty="0" smtClean="0"/>
-              <a:t> doesn't generate tranche plots for </a:t>
-            </a:r>
-            <a:r>
-              <a:rPr lang="en-US" dirty="0" err="1" smtClean="0"/>
+              <a:rPr lang="en-US" u="sng" dirty="0"/>
+              <a:t>VQSR</a:t>
+            </a:r>
+          </a:p>
+          <a:p>
+            <a:r>
+              <a:rPr lang="en-US" dirty="0"/>
+              <a:t>Reference datasets</a:t>
+            </a:r>
+          </a:p>
+          <a:p>
+            <a:pPr lvl="1"/>
+            <a:r>
+              <a:rPr lang="en-US" dirty="0"/>
+              <a:t>Mills: set of ~400k high-confidence </a:t>
+            </a:r>
+            <a:r>
+              <a:rPr lang="en-US" dirty="0" err="1"/>
               <a:t>indels</a:t>
             </a:r>
-            <a:endParaRPr lang="en-US" dirty="0" smtClean="0"/>
-          </a:p>
-          <a:p>
-            <a:r>
-              <a:rPr lang="en-US" dirty="0" smtClean="0"/>
-              <a:t>Best strategy is to </a:t>
-            </a:r>
-            <a:r>
-              <a:rPr lang="en-US" dirty="0" smtClean="0"/>
-              <a:t>plot </a:t>
-            </a:r>
-            <a:r>
-              <a:rPr lang="en-US" dirty="0" smtClean="0"/>
-              <a:t>mismatch rate against truth sensitivity for many tranches and identify the "elbow"</a:t>
+            <a:r>
+              <a:rPr lang="en-US" dirty="0"/>
+              <a:t> (truth=true, training=true, known=false)</a:t>
             </a:r>
           </a:p>
           <a:p>
             <a:pPr lvl="1"/>
             <a:r>
-              <a:rPr lang="en-US" dirty="0" smtClean="0"/>
-              <a:t>Stratifying by genotype can help</a:t>
+              <a:rPr lang="en-US" dirty="0" err="1"/>
+              <a:t>dbSNP</a:t>
+            </a:r>
+            <a:r>
+              <a:rPr lang="en-US" dirty="0"/>
+              <a:t>: Database of known human variation, also contains </a:t>
+            </a:r>
+            <a:r>
+              <a:rPr lang="en-US" dirty="0" err="1"/>
+              <a:t>indels</a:t>
+            </a:r>
+            <a:r>
+              <a:rPr lang="en-US" dirty="0"/>
+              <a:t> (truth=false, training=false, known=true)</a:t>
             </a:r>
           </a:p>
         </p:txBody>
@@ -6852,21 +6415,13 @@
     </p:spTree>
     <p:extLst>
       <p:ext uri="{BB962C8B-B14F-4D97-AF65-F5344CB8AC3E}">
-        <p14:creationId xmlns:p14="http://schemas.microsoft.com/office/powerpoint/2010/main" val="1615356528"/>
+        <p14:creationId xmlns:p14="http://schemas.microsoft.com/office/powerpoint/2010/main" val="796441218"/>
       </p:ext>
     </p:extLst>
   </p:cSld>
   <p:clrMapOvr>
     <a:masterClrMapping/>
   </p:clrMapOvr>
-  <mc:AlternateContent xmlns:mc="http://schemas.openxmlformats.org/markup-compatibility/2006" xmlns:p14="http://schemas.microsoft.com/office/powerpoint/2010/main">
-    <mc:Choice Requires="p14">
-      <p:transition spd="slow" p14:dur="2000"/>
-    </mc:Choice>
-    <mc:Fallback xmlns="">
-      <p:transition xmlns:p14="http://schemas.microsoft.com/office/powerpoint/2010/main" spd="slow"/>
-    </mc:Fallback>
-  </mc:AlternateContent>
 </p:sld>
 </file>
 
